--- a/fig1.pptx
+++ b/fig1.pptx
@@ -104,6 +104,11 @@
       </a:defRPr>
     </a:lvl9pPr>
   </p:defaultTextStyle>
+  <p:extLst>
+    <p:ext uri="{EFAFB233-063F-42B5-8137-9DF3F51BA10A}">
+      <p15:sldGuideLst xmlns:p15="http://schemas.microsoft.com/office/powerpoint/2012/main"/>
+    </p:ext>
+  </p:extLst>
 </p:presentation>
 </file>
 
@@ -3373,7 +3378,7 @@
           <a:p>
             <a:pPr algn="ctr"/>
             <a:r>
-              <a:rPr lang="en-US" sz="1400" dirty="0">
+              <a:rPr lang="en-US" sz="1600" dirty="0">
                 <a:solidFill>
                   <a:schemeClr val="tx1"/>
                 </a:solidFill>
@@ -3384,7 +3389,7 @@
           <a:p>
             <a:pPr algn="ctr"/>
             <a:r>
-              <a:rPr lang="en-US" sz="1400" dirty="0">
+              <a:rPr lang="en-US" sz="1600" dirty="0">
                 <a:solidFill>
                   <a:schemeClr val="tx1"/>
                 </a:solidFill>
@@ -3446,7 +3451,7 @@
           <a:p>
             <a:pPr algn="ctr"/>
             <a:r>
-              <a:rPr lang="en-US" sz="1200" dirty="0">
+              <a:rPr lang="en-US" sz="1400" dirty="0">
                 <a:solidFill>
                   <a:schemeClr val="tx1"/>
                 </a:solidFill>
@@ -3508,7 +3513,7 @@
           <a:p>
             <a:pPr algn="ctr"/>
             <a:r>
-              <a:rPr lang="en-US" sz="1400" dirty="0">
+              <a:rPr lang="en-US" sz="1600" dirty="0">
                 <a:solidFill>
                   <a:schemeClr val="tx1"/>
                 </a:solidFill>
@@ -3570,13 +3575,18 @@
           <a:p>
             <a:pPr algn="ctr"/>
             <a:r>
-              <a:rPr lang="en-US" sz="1400" dirty="0">
+              <a:rPr lang="en-US" sz="1600" dirty="0" err="1">
                 <a:solidFill>
                   <a:schemeClr val="tx1"/>
                 </a:solidFill>
               </a:rPr>
-              <a:t>Logging – saved molecules and env vars </a:t>
-            </a:r>
+              <a:t>EnvLogger</a:t>
+            </a:r>
+            <a:endParaRPr lang="en-US" sz="1600" dirty="0">
+              <a:solidFill>
+                <a:schemeClr val="tx1"/>
+              </a:solidFill>
+            </a:endParaRPr>
           </a:p>
         </p:txBody>
       </p:sp>
@@ -3632,22 +3642,14 @@
           <a:p>
             <a:pPr algn="ctr"/>
             <a:r>
-              <a:rPr lang="en-US" sz="1400" dirty="0">
+              <a:rPr lang="en-US" sz="1600" dirty="0" err="1">
                 <a:solidFill>
                   <a:schemeClr val="tx1"/>
                 </a:solidFill>
               </a:rPr>
-              <a:t>Logging - </a:t>
-            </a:r>
-            <a:r>
-              <a:rPr lang="en-US" sz="1400" dirty="0" err="1">
-                <a:solidFill>
-                  <a:schemeClr val="tx1"/>
-                </a:solidFill>
-              </a:rPr>
-              <a:t>Tensorboard</a:t>
-            </a:r>
-            <a:endParaRPr lang="en-US" sz="1400" dirty="0">
+              <a:t>TrainLogger</a:t>
+            </a:r>
+            <a:endParaRPr lang="en-US" sz="1600" dirty="0">
               <a:solidFill>
                 <a:schemeClr val="tx1"/>
               </a:solidFill>
@@ -3707,7 +3709,7 @@
           <a:p>
             <a:pPr algn="ctr"/>
             <a:r>
-              <a:rPr lang="en-US" sz="1400" dirty="0">
+              <a:rPr lang="en-US" sz="1600" dirty="0">
                 <a:solidFill>
                   <a:schemeClr val="tx1"/>
                 </a:solidFill>
@@ -3738,7 +3740,7 @@
             <a:avLst/>
           </a:prstGeom>
           <a:solidFill>
-            <a:schemeClr val="accent2">
+            <a:schemeClr val="accent4">
               <a:lumMod val="60000"/>
               <a:lumOff val="40000"/>
             </a:schemeClr>
@@ -3769,7 +3771,7 @@
           <a:p>
             <a:pPr algn="ctr"/>
             <a:r>
-              <a:rPr lang="en-US" sz="1400" dirty="0">
+              <a:rPr lang="en-US" sz="1600" dirty="0">
                 <a:solidFill>
                   <a:schemeClr val="tx1"/>
                 </a:solidFill>
@@ -4128,23 +4130,12 @@
           <a:p>
             <a:pPr algn="ctr"/>
             <a:r>
-              <a:rPr lang="en-US" sz="1200" dirty="0">
+              <a:rPr lang="en-US" sz="1400" dirty="0">
                 <a:solidFill>
                   <a:schemeClr val="tx1"/>
                 </a:solidFill>
               </a:rPr>
-              <a:t>_step()</a:t>
-            </a:r>
-          </a:p>
-          <a:p>
-            <a:pPr algn="ctr"/>
-            <a:r>
-              <a:rPr lang="en-US" sz="1200" dirty="0">
-                <a:solidFill>
-                  <a:schemeClr val="tx1"/>
-                </a:solidFill>
-              </a:rPr>
-              <a:t>(action handler)</a:t>
+              <a:t>Action handler</a:t>
             </a:r>
           </a:p>
         </p:txBody>
@@ -4163,7 +4154,7 @@
         </p:nvSpPr>
         <p:spPr>
           <a:xfrm>
-            <a:off x="9469411" y="2700158"/>
+            <a:off x="9469411" y="2477659"/>
             <a:ext cx="1222230" cy="531290"/>
           </a:xfrm>
           <a:prstGeom prst="rect">
@@ -4201,23 +4192,12 @@
           <a:p>
             <a:pPr algn="ctr"/>
             <a:r>
-              <a:rPr lang="en-US" sz="1200" dirty="0">
+              <a:rPr lang="en-US" sz="1400" dirty="0">
                 <a:solidFill>
                   <a:schemeClr val="tx1"/>
                 </a:solidFill>
               </a:rPr>
-              <a:t>_reward()</a:t>
-            </a:r>
-          </a:p>
-          <a:p>
-            <a:pPr algn="ctr"/>
-            <a:r>
-              <a:rPr lang="en-US" sz="1200" dirty="0">
-                <a:solidFill>
-                  <a:schemeClr val="tx1"/>
-                </a:solidFill>
-              </a:rPr>
-              <a:t>(reward handler)</a:t>
+              <a:t>Reward handler</a:t>
             </a:r>
           </a:p>
         </p:txBody>
@@ -4236,7 +4216,7 @@
         </p:nvSpPr>
         <p:spPr>
           <a:xfrm>
-            <a:off x="9469411" y="3612557"/>
+            <a:off x="9469411" y="3200252"/>
             <a:ext cx="1222230" cy="531290"/>
           </a:xfrm>
           <a:prstGeom prst="rect">
@@ -4274,39 +4254,12 @@
           <a:p>
             <a:pPr algn="ctr"/>
             <a:r>
-              <a:rPr lang="en-US" sz="1200" dirty="0">
+              <a:rPr lang="en-US" sz="1400" dirty="0">
                 <a:solidFill>
                   <a:schemeClr val="tx1"/>
                 </a:solidFill>
               </a:rPr>
-              <a:t>_</a:t>
-            </a:r>
-            <a:r>
-              <a:rPr lang="en-US" sz="1200" dirty="0" err="1">
-                <a:solidFill>
-                  <a:schemeClr val="tx1"/>
-                </a:solidFill>
-              </a:rPr>
-              <a:t>obs</a:t>
-            </a:r>
-            <a:r>
-              <a:rPr lang="en-US" sz="1200" dirty="0">
-                <a:solidFill>
-                  <a:schemeClr val="tx1"/>
-                </a:solidFill>
-              </a:rPr>
-              <a:t>()</a:t>
-            </a:r>
-          </a:p>
-          <a:p>
-            <a:pPr algn="ctr"/>
-            <a:r>
-              <a:rPr lang="en-US" sz="1200" dirty="0">
-                <a:solidFill>
-                  <a:schemeClr val="tx1"/>
-                </a:solidFill>
-              </a:rPr>
-              <a:t>(observation handler)</a:t>
+              <a:t>Observation handler</a:t>
             </a:r>
           </a:p>
         </p:txBody>
@@ -4376,8 +4329,8 @@
         </p:nvCxnSpPr>
         <p:spPr>
           <a:xfrm flipH="1">
-            <a:off x="8549558" y="2965803"/>
-            <a:ext cx="919853" cy="324006"/>
+            <a:off x="8549558" y="2743304"/>
+            <a:ext cx="919853" cy="546505"/>
           </a:xfrm>
           <a:prstGeom prst="straightConnector1">
             <a:avLst/>
@@ -4424,8 +4377,8 @@
         </p:nvCxnSpPr>
         <p:spPr>
           <a:xfrm flipH="1" flipV="1">
-            <a:off x="8573673" y="3454508"/>
-            <a:ext cx="895738" cy="423694"/>
+            <a:off x="8548877" y="3417651"/>
+            <a:ext cx="920534" cy="48246"/>
           </a:xfrm>
           <a:prstGeom prst="straightConnector1">
             <a:avLst/>
@@ -4477,6 +4430,116 @@
             <a:ext cx="1077288" cy="826122"/>
           </a:xfrm>
           <a:prstGeom prst="bentConnector2">
+            <a:avLst/>
+          </a:prstGeom>
+          <a:ln w="28575">
+            <a:solidFill>
+              <a:schemeClr val="tx1">
+                <a:lumMod val="50000"/>
+                <a:lumOff val="50000"/>
+              </a:schemeClr>
+            </a:solidFill>
+            <a:tailEnd type="triangle"/>
+          </a:ln>
+        </p:spPr>
+        <p:style>
+          <a:lnRef idx="1">
+            <a:schemeClr val="accent1"/>
+          </a:lnRef>
+          <a:fillRef idx="0">
+            <a:schemeClr val="accent1"/>
+          </a:fillRef>
+          <a:effectRef idx="0">
+            <a:schemeClr val="accent1"/>
+          </a:effectRef>
+          <a:fontRef idx="minor">
+            <a:schemeClr val="tx1"/>
+          </a:fontRef>
+        </p:style>
+      </p:cxnSp>
+      <p:sp>
+        <p:nvSpPr>
+          <p:cNvPr id="24" name="Rectangle 23">
+            <a:extLst>
+              <a:ext uri="{FF2B5EF4-FFF2-40B4-BE49-F238E27FC236}">
+                <a16:creationId xmlns:a16="http://schemas.microsoft.com/office/drawing/2014/main" id="{00BFC49F-58A5-469A-BDA6-5954C469C93E}"/>
+              </a:ext>
+            </a:extLst>
+          </p:cNvPr>
+          <p:cNvSpPr/>
+          <p:nvPr/>
+        </p:nvSpPr>
+        <p:spPr>
+          <a:xfrm>
+            <a:off x="9469411" y="3922845"/>
+            <a:ext cx="1222230" cy="531290"/>
+          </a:xfrm>
+          <a:prstGeom prst="rect">
+            <a:avLst/>
+          </a:prstGeom>
+          <a:solidFill>
+            <a:schemeClr val="accent6">
+              <a:lumMod val="60000"/>
+              <a:lumOff val="40000"/>
+            </a:schemeClr>
+          </a:solidFill>
+          <a:ln>
+            <a:noFill/>
+          </a:ln>
+        </p:spPr>
+        <p:style>
+          <a:lnRef idx="2">
+            <a:schemeClr val="accent1">
+              <a:shade val="50000"/>
+            </a:schemeClr>
+          </a:lnRef>
+          <a:fillRef idx="1">
+            <a:schemeClr val="accent1"/>
+          </a:fillRef>
+          <a:effectRef idx="0">
+            <a:schemeClr val="accent1"/>
+          </a:effectRef>
+          <a:fontRef idx="minor">
+            <a:schemeClr val="lt1"/>
+          </a:fontRef>
+        </p:style>
+        <p:txBody>
+          <a:bodyPr rtlCol="0" anchor="ctr"/>
+          <a:lstStyle/>
+          <a:p>
+            <a:pPr algn="ctr"/>
+            <a:r>
+              <a:rPr lang="en-US" sz="1400" dirty="0">
+                <a:solidFill>
+                  <a:schemeClr val="tx1"/>
+                </a:solidFill>
+              </a:rPr>
+              <a:t>Other options</a:t>
+            </a:r>
+          </a:p>
+        </p:txBody>
+      </p:sp>
+      <p:cxnSp>
+        <p:nvCxnSpPr>
+          <p:cNvPr id="25" name="Straight Arrow Connector 24">
+            <a:extLst>
+              <a:ext uri="{FF2B5EF4-FFF2-40B4-BE49-F238E27FC236}">
+                <a16:creationId xmlns:a16="http://schemas.microsoft.com/office/drawing/2014/main" id="{4BA82631-C52A-4F79-BEA6-2CA52FCB81AA}"/>
+              </a:ext>
+            </a:extLst>
+          </p:cNvPr>
+          <p:cNvCxnSpPr>
+            <a:cxnSpLocks/>
+            <a:stCxn id="24" idx="1"/>
+          </p:cNvCxnSpPr>
+          <p:nvPr/>
+        </p:nvCxnSpPr>
+        <p:spPr>
+          <a:xfrm flipH="1" flipV="1">
+            <a:off x="8573675" y="3529062"/>
+            <a:ext cx="895736" cy="659428"/>
+          </a:xfrm>
+          <a:prstGeom prst="straightConnector1">
             <a:avLst/>
           </a:prstGeom>
           <a:ln w="28575">

--- a/fig1.pptx
+++ b/fig1.pptx
@@ -5,7 +5,7 @@
     <p:sldMasterId id="2147483648" r:id="rId1"/>
   </p:sldMasterIdLst>
   <p:sldIdLst>
-    <p:sldId id="256" r:id="rId2"/>
+    <p:sldId id="257" r:id="rId2"/>
   </p:sldIdLst>
   <p:sldSz cx="12192000" cy="6858000"/>
   <p:notesSz cx="6858000" cy="9144000"/>
@@ -259,7 +259,7 @@
           <a:p>
             <a:fld id="{C6C270CB-5CAE-4249-A309-DF89160C5496}" type="datetimeFigureOut">
               <a:rPr lang="en-US" smtClean="0"/>
-              <a:t>5/25/2021</a:t>
+              <a:t>8/16/2021</a:t>
             </a:fld>
             <a:endParaRPr lang="en-US"/>
           </a:p>
@@ -457,7 +457,7 @@
           <a:p>
             <a:fld id="{C6C270CB-5CAE-4249-A309-DF89160C5496}" type="datetimeFigureOut">
               <a:rPr lang="en-US" smtClean="0"/>
-              <a:t>5/25/2021</a:t>
+              <a:t>8/16/2021</a:t>
             </a:fld>
             <a:endParaRPr lang="en-US"/>
           </a:p>
@@ -665,7 +665,7 @@
           <a:p>
             <a:fld id="{C6C270CB-5CAE-4249-A309-DF89160C5496}" type="datetimeFigureOut">
               <a:rPr lang="en-US" smtClean="0"/>
-              <a:t>5/25/2021</a:t>
+              <a:t>8/16/2021</a:t>
             </a:fld>
             <a:endParaRPr lang="en-US"/>
           </a:p>
@@ -863,7 +863,7 @@
           <a:p>
             <a:fld id="{C6C270CB-5CAE-4249-A309-DF89160C5496}" type="datetimeFigureOut">
               <a:rPr lang="en-US" smtClean="0"/>
-              <a:t>5/25/2021</a:t>
+              <a:t>8/16/2021</a:t>
             </a:fld>
             <a:endParaRPr lang="en-US"/>
           </a:p>
@@ -1138,7 +1138,7 @@
           <a:p>
             <a:fld id="{C6C270CB-5CAE-4249-A309-DF89160C5496}" type="datetimeFigureOut">
               <a:rPr lang="en-US" smtClean="0"/>
-              <a:t>5/25/2021</a:t>
+              <a:t>8/16/2021</a:t>
             </a:fld>
             <a:endParaRPr lang="en-US"/>
           </a:p>
@@ -1403,7 +1403,7 @@
           <a:p>
             <a:fld id="{C6C270CB-5CAE-4249-A309-DF89160C5496}" type="datetimeFigureOut">
               <a:rPr lang="en-US" smtClean="0"/>
-              <a:t>5/25/2021</a:t>
+              <a:t>8/16/2021</a:t>
             </a:fld>
             <a:endParaRPr lang="en-US"/>
           </a:p>
@@ -1815,7 +1815,7 @@
           <a:p>
             <a:fld id="{C6C270CB-5CAE-4249-A309-DF89160C5496}" type="datetimeFigureOut">
               <a:rPr lang="en-US" smtClean="0"/>
-              <a:t>5/25/2021</a:t>
+              <a:t>8/16/2021</a:t>
             </a:fld>
             <a:endParaRPr lang="en-US"/>
           </a:p>
@@ -1956,7 +1956,7 @@
           <a:p>
             <a:fld id="{C6C270CB-5CAE-4249-A309-DF89160C5496}" type="datetimeFigureOut">
               <a:rPr lang="en-US" smtClean="0"/>
-              <a:t>5/25/2021</a:t>
+              <a:t>8/16/2021</a:t>
             </a:fld>
             <a:endParaRPr lang="en-US"/>
           </a:p>
@@ -2069,7 +2069,7 @@
           <a:p>
             <a:fld id="{C6C270CB-5CAE-4249-A309-DF89160C5496}" type="datetimeFigureOut">
               <a:rPr lang="en-US" smtClean="0"/>
-              <a:t>5/25/2021</a:t>
+              <a:t>8/16/2021</a:t>
             </a:fld>
             <a:endParaRPr lang="en-US"/>
           </a:p>
@@ -2380,7 +2380,7 @@
           <a:p>
             <a:fld id="{C6C270CB-5CAE-4249-A309-DF89160C5496}" type="datetimeFigureOut">
               <a:rPr lang="en-US" smtClean="0"/>
-              <a:t>5/25/2021</a:t>
+              <a:t>8/16/2021</a:t>
             </a:fld>
             <a:endParaRPr lang="en-US"/>
           </a:p>
@@ -2668,7 +2668,7 @@
           <a:p>
             <a:fld id="{C6C270CB-5CAE-4249-A309-DF89160C5496}" type="datetimeFigureOut">
               <a:rPr lang="en-US" smtClean="0"/>
-              <a:t>5/25/2021</a:t>
+              <a:t>8/16/2021</a:t>
             </a:fld>
             <a:endParaRPr lang="en-US"/>
           </a:p>
@@ -2909,7 +2909,7 @@
           <a:p>
             <a:fld id="{C6C270CB-5CAE-4249-A309-DF89160C5496}" type="datetimeFigureOut">
               <a:rPr lang="en-US" smtClean="0"/>
-              <a:t>5/25/2021</a:t>
+              <a:t>8/16/2021</a:t>
             </a:fld>
             <a:endParaRPr lang="en-US"/>
           </a:p>
@@ -3331,7 +3331,7 @@
           <p:cNvPr id="4" name="Rectangle 3">
             <a:extLst>
               <a:ext uri="{FF2B5EF4-FFF2-40B4-BE49-F238E27FC236}">
-                <a16:creationId xmlns:a16="http://schemas.microsoft.com/office/drawing/2014/main" id="{E704579B-0671-404F-9C8A-36240F2F1112}"/>
+                <a16:creationId xmlns:a16="http://schemas.microsoft.com/office/drawing/2014/main" id="{F7B47576-0734-4EDC-946F-4ABEBB21FBC8}"/>
               </a:ext>
             </a:extLst>
           </p:cNvPr>
@@ -3340,7 +3340,7 @@
         </p:nvSpPr>
         <p:spPr>
           <a:xfrm>
-            <a:off x="2735986" y="3513405"/>
+            <a:off x="6591105" y="3429000"/>
             <a:ext cx="1791477" cy="681135"/>
           </a:xfrm>
           <a:prstGeom prst="rect">
@@ -3404,7 +3404,7 @@
           <p:cNvPr id="5" name="Rectangle 4">
             <a:extLst>
               <a:ext uri="{FF2B5EF4-FFF2-40B4-BE49-F238E27FC236}">
-                <a16:creationId xmlns:a16="http://schemas.microsoft.com/office/drawing/2014/main" id="{1EA9F070-C9CD-4C7A-8176-5414B0EE9391}"/>
+                <a16:creationId xmlns:a16="http://schemas.microsoft.com/office/drawing/2014/main" id="{9EAE6836-8FA8-4F9F-B8B5-5C0781173986}"/>
               </a:ext>
             </a:extLst>
           </p:cNvPr>
@@ -3413,7 +3413,7 @@
         </p:nvSpPr>
         <p:spPr>
           <a:xfrm>
-            <a:off x="1158719" y="2379839"/>
+            <a:off x="6293197" y="2374496"/>
             <a:ext cx="1502290" cy="396846"/>
           </a:xfrm>
           <a:prstGeom prst="rect">
@@ -3466,7 +3466,7 @@
           <p:cNvPr id="6" name="Rectangle 5">
             <a:extLst>
               <a:ext uri="{FF2B5EF4-FFF2-40B4-BE49-F238E27FC236}">
-                <a16:creationId xmlns:a16="http://schemas.microsoft.com/office/drawing/2014/main" id="{7E7AF1CB-E2A3-4A2F-BF0D-730E0876063F}"/>
+                <a16:creationId xmlns:a16="http://schemas.microsoft.com/office/drawing/2014/main" id="{F22D69C9-270F-48C0-A4E5-9E8FC3FF4409}"/>
               </a:ext>
             </a:extLst>
           </p:cNvPr>
@@ -3475,7 +3475,7 @@
         </p:nvSpPr>
         <p:spPr>
           <a:xfrm>
-            <a:off x="6758081" y="2949241"/>
+            <a:off x="3976049" y="3429000"/>
             <a:ext cx="1791477" cy="681135"/>
           </a:xfrm>
           <a:prstGeom prst="rect">
@@ -3528,7 +3528,7 @@
           <p:cNvPr id="7" name="Rectangle 6">
             <a:extLst>
               <a:ext uri="{FF2B5EF4-FFF2-40B4-BE49-F238E27FC236}">
-                <a16:creationId xmlns:a16="http://schemas.microsoft.com/office/drawing/2014/main" id="{B5930CA7-182D-402E-85CB-B2EA5D8D42AF}"/>
+                <a16:creationId xmlns:a16="http://schemas.microsoft.com/office/drawing/2014/main" id="{8F1C985D-1194-45BD-9BA3-8F4ECD7ACA55}"/>
               </a:ext>
             </a:extLst>
           </p:cNvPr>
@@ -3537,7 +3537,7 @@
         </p:nvSpPr>
         <p:spPr>
           <a:xfrm>
-            <a:off x="6758082" y="4649116"/>
+            <a:off x="3976049" y="5103384"/>
             <a:ext cx="1791477" cy="681135"/>
           </a:xfrm>
           <a:prstGeom prst="rect">
@@ -3595,7 +3595,7 @@
           <p:cNvPr id="8" name="Rectangle 7">
             <a:extLst>
               <a:ext uri="{FF2B5EF4-FFF2-40B4-BE49-F238E27FC236}">
-                <a16:creationId xmlns:a16="http://schemas.microsoft.com/office/drawing/2014/main" id="{A6F32F57-13FD-4328-85AD-EA2DFEE7E3EC}"/>
+                <a16:creationId xmlns:a16="http://schemas.microsoft.com/office/drawing/2014/main" id="{4FC5FC91-06D7-454B-815E-575DC902EB15}"/>
               </a:ext>
             </a:extLst>
           </p:cNvPr>
@@ -3604,7 +3604,7 @@
         </p:nvSpPr>
         <p:spPr>
           <a:xfrm>
-            <a:off x="2735986" y="4731902"/>
+            <a:off x="6591104" y="5103385"/>
             <a:ext cx="1791477" cy="681135"/>
           </a:xfrm>
           <a:prstGeom prst="rect">
@@ -3662,7 +3662,7 @@
           <p:cNvPr id="9" name="Rectangle 8">
             <a:extLst>
               <a:ext uri="{FF2B5EF4-FFF2-40B4-BE49-F238E27FC236}">
-                <a16:creationId xmlns:a16="http://schemas.microsoft.com/office/drawing/2014/main" id="{44EB294B-95F0-4EA6-B6EA-16664AFCFAB2}"/>
+                <a16:creationId xmlns:a16="http://schemas.microsoft.com/office/drawing/2014/main" id="{748B88DC-F039-46C9-A146-04FBD3F52B5F}"/>
               </a:ext>
             </a:extLst>
           </p:cNvPr>
@@ -3671,7 +3671,7 @@
         </p:nvSpPr>
         <p:spPr>
           <a:xfrm>
-            <a:off x="9612626" y="819959"/>
+            <a:off x="3326404" y="1577330"/>
             <a:ext cx="1791477" cy="681135"/>
           </a:xfrm>
           <a:prstGeom prst="rect">
@@ -3724,7 +3724,7 @@
           <p:cNvPr id="10" name="Rectangle 9">
             <a:extLst>
               <a:ext uri="{FF2B5EF4-FFF2-40B4-BE49-F238E27FC236}">
-                <a16:creationId xmlns:a16="http://schemas.microsoft.com/office/drawing/2014/main" id="{DA2C97F7-2F68-44AE-A12D-9A88BE3BD386}"/>
+                <a16:creationId xmlns:a16="http://schemas.microsoft.com/office/drawing/2014/main" id="{83076731-847B-452D-A8EE-1742B67E6B03}"/>
               </a:ext>
             </a:extLst>
           </p:cNvPr>
@@ -3733,7 +3733,7 @@
         </p:nvSpPr>
         <p:spPr>
           <a:xfrm>
-            <a:off x="9184788" y="4649115"/>
+            <a:off x="1168251" y="5103384"/>
             <a:ext cx="1791477" cy="681135"/>
           </a:xfrm>
           <a:prstGeom prst="rect">
@@ -3781,74 +3781,273 @@
           </a:p>
         </p:txBody>
       </p:sp>
-      <p:cxnSp>
-        <p:nvCxnSpPr>
-          <p:cNvPr id="12" name="Connector: Elbow 11">
-            <a:extLst>
-              <a:ext uri="{FF2B5EF4-FFF2-40B4-BE49-F238E27FC236}">
-                <a16:creationId xmlns:a16="http://schemas.microsoft.com/office/drawing/2014/main" id="{3150AB84-B578-4955-B266-63EF04EBEF13}"/>
-              </a:ext>
-            </a:extLst>
-          </p:cNvPr>
-          <p:cNvCxnSpPr>
-            <a:cxnSpLocks/>
-            <a:stCxn id="9" idx="1"/>
-          </p:cNvCxnSpPr>
+      <p:sp>
+        <p:nvSpPr>
+          <p:cNvPr id="17" name="Rectangle 16">
+            <a:extLst>
+              <a:ext uri="{FF2B5EF4-FFF2-40B4-BE49-F238E27FC236}">
+                <a16:creationId xmlns:a16="http://schemas.microsoft.com/office/drawing/2014/main" id="{64BA4007-6CB7-4F74-BC7C-546B214E6B13}"/>
+              </a:ext>
+            </a:extLst>
+          </p:cNvPr>
+          <p:cNvSpPr/>
           <p:nvPr/>
-        </p:nvCxnSpPr>
+        </p:nvSpPr>
         <p:spPr>
-          <a:xfrm rot="10800000" flipV="1">
-            <a:off x="8326996" y="1160526"/>
-            <a:ext cx="1285630" cy="1788713"/>
+          <a:xfrm>
+            <a:off x="1072306" y="1778652"/>
+            <a:ext cx="1222230" cy="531290"/>
           </a:xfrm>
-          <a:prstGeom prst="bentConnector2">
+          <a:prstGeom prst="rect">
             <a:avLst/>
           </a:prstGeom>
-          <a:ln w="28575">
-            <a:solidFill>
-              <a:schemeClr val="tx1">
-                <a:lumMod val="50000"/>
-                <a:lumOff val="50000"/>
-              </a:schemeClr>
-            </a:solidFill>
-            <a:tailEnd type="triangle"/>
+          <a:solidFill>
+            <a:schemeClr val="accent6">
+              <a:lumMod val="60000"/>
+              <a:lumOff val="40000"/>
+            </a:schemeClr>
+          </a:solidFill>
+          <a:ln>
+            <a:noFill/>
           </a:ln>
         </p:spPr>
         <p:style>
-          <a:lnRef idx="1">
-            <a:schemeClr val="accent1"/>
+          <a:lnRef idx="2">
+            <a:schemeClr val="accent1">
+              <a:shade val="50000"/>
+            </a:schemeClr>
           </a:lnRef>
-          <a:fillRef idx="0">
+          <a:fillRef idx="1">
             <a:schemeClr val="accent1"/>
           </a:fillRef>
           <a:effectRef idx="0">
             <a:schemeClr val="accent1"/>
           </a:effectRef>
           <a:fontRef idx="minor">
-            <a:schemeClr val="tx1"/>
+            <a:schemeClr val="lt1"/>
           </a:fontRef>
         </p:style>
-      </p:cxnSp>
+        <p:txBody>
+          <a:bodyPr rtlCol="0" anchor="ctr"/>
+          <a:lstStyle/>
+          <a:p>
+            <a:pPr algn="ctr"/>
+            <a:r>
+              <a:rPr lang="en-US" sz="1400" dirty="0">
+                <a:solidFill>
+                  <a:schemeClr val="tx1"/>
+                </a:solidFill>
+              </a:rPr>
+              <a:t>Action handler</a:t>
+            </a:r>
+          </a:p>
+        </p:txBody>
+      </p:sp>
+      <p:sp>
+        <p:nvSpPr>
+          <p:cNvPr id="18" name="Rectangle 17">
+            <a:extLst>
+              <a:ext uri="{FF2B5EF4-FFF2-40B4-BE49-F238E27FC236}">
+                <a16:creationId xmlns:a16="http://schemas.microsoft.com/office/drawing/2014/main" id="{1616AE8A-9E9A-4638-9D34-408DA58C8975}"/>
+              </a:ext>
+            </a:extLst>
+          </p:cNvPr>
+          <p:cNvSpPr/>
+          <p:nvPr/>
+        </p:nvSpPr>
+        <p:spPr>
+          <a:xfrm>
+            <a:off x="1072306" y="2505697"/>
+            <a:ext cx="1222230" cy="531290"/>
+          </a:xfrm>
+          <a:prstGeom prst="rect">
+            <a:avLst/>
+          </a:prstGeom>
+          <a:solidFill>
+            <a:schemeClr val="accent6">
+              <a:lumMod val="60000"/>
+              <a:lumOff val="40000"/>
+            </a:schemeClr>
+          </a:solidFill>
+          <a:ln>
+            <a:noFill/>
+          </a:ln>
+        </p:spPr>
+        <p:style>
+          <a:lnRef idx="2">
+            <a:schemeClr val="accent1">
+              <a:shade val="50000"/>
+            </a:schemeClr>
+          </a:lnRef>
+          <a:fillRef idx="1">
+            <a:schemeClr val="accent1"/>
+          </a:fillRef>
+          <a:effectRef idx="0">
+            <a:schemeClr val="accent1"/>
+          </a:effectRef>
+          <a:fontRef idx="minor">
+            <a:schemeClr val="lt1"/>
+          </a:fontRef>
+        </p:style>
+        <p:txBody>
+          <a:bodyPr rtlCol="0" anchor="ctr"/>
+          <a:lstStyle/>
+          <a:p>
+            <a:pPr algn="ctr"/>
+            <a:r>
+              <a:rPr lang="en-US" sz="1400" dirty="0">
+                <a:solidFill>
+                  <a:schemeClr val="tx1"/>
+                </a:solidFill>
+              </a:rPr>
+              <a:t>Reward handler</a:t>
+            </a:r>
+          </a:p>
+        </p:txBody>
+      </p:sp>
+      <p:sp>
+        <p:nvSpPr>
+          <p:cNvPr id="19" name="Rectangle 18">
+            <a:extLst>
+              <a:ext uri="{FF2B5EF4-FFF2-40B4-BE49-F238E27FC236}">
+                <a16:creationId xmlns:a16="http://schemas.microsoft.com/office/drawing/2014/main" id="{EF89F180-C46C-48EC-9077-1DE9E634BB6D}"/>
+              </a:ext>
+            </a:extLst>
+          </p:cNvPr>
+          <p:cNvSpPr/>
+          <p:nvPr/>
+        </p:nvSpPr>
+        <p:spPr>
+          <a:xfrm>
+            <a:off x="1072306" y="3232742"/>
+            <a:ext cx="1222230" cy="531290"/>
+          </a:xfrm>
+          <a:prstGeom prst="rect">
+            <a:avLst/>
+          </a:prstGeom>
+          <a:solidFill>
+            <a:schemeClr val="accent6">
+              <a:lumMod val="60000"/>
+              <a:lumOff val="40000"/>
+            </a:schemeClr>
+          </a:solidFill>
+          <a:ln>
+            <a:noFill/>
+          </a:ln>
+        </p:spPr>
+        <p:style>
+          <a:lnRef idx="2">
+            <a:schemeClr val="accent1">
+              <a:shade val="50000"/>
+            </a:schemeClr>
+          </a:lnRef>
+          <a:fillRef idx="1">
+            <a:schemeClr val="accent1"/>
+          </a:fillRef>
+          <a:effectRef idx="0">
+            <a:schemeClr val="accent1"/>
+          </a:effectRef>
+          <a:fontRef idx="minor">
+            <a:schemeClr val="lt1"/>
+          </a:fontRef>
+        </p:style>
+        <p:txBody>
+          <a:bodyPr rtlCol="0" anchor="ctr"/>
+          <a:lstStyle/>
+          <a:p>
+            <a:pPr algn="ctr"/>
+            <a:r>
+              <a:rPr lang="en-US" sz="1400" dirty="0">
+                <a:solidFill>
+                  <a:schemeClr val="tx1"/>
+                </a:solidFill>
+              </a:rPr>
+              <a:t>Observation handler</a:t>
+            </a:r>
+          </a:p>
+        </p:txBody>
+      </p:sp>
+      <p:sp>
+        <p:nvSpPr>
+          <p:cNvPr id="24" name="Rectangle 23">
+            <a:extLst>
+              <a:ext uri="{FF2B5EF4-FFF2-40B4-BE49-F238E27FC236}">
+                <a16:creationId xmlns:a16="http://schemas.microsoft.com/office/drawing/2014/main" id="{DB82D4DE-678B-4E3D-9379-A1673E3D1D46}"/>
+              </a:ext>
+            </a:extLst>
+          </p:cNvPr>
+          <p:cNvSpPr/>
+          <p:nvPr/>
+        </p:nvSpPr>
+        <p:spPr>
+          <a:xfrm>
+            <a:off x="1072306" y="3959787"/>
+            <a:ext cx="1222230" cy="531290"/>
+          </a:xfrm>
+          <a:prstGeom prst="rect">
+            <a:avLst/>
+          </a:prstGeom>
+          <a:solidFill>
+            <a:schemeClr val="accent6">
+              <a:lumMod val="60000"/>
+              <a:lumOff val="40000"/>
+            </a:schemeClr>
+          </a:solidFill>
+          <a:ln>
+            <a:noFill/>
+          </a:ln>
+        </p:spPr>
+        <p:style>
+          <a:lnRef idx="2">
+            <a:schemeClr val="accent1">
+              <a:shade val="50000"/>
+            </a:schemeClr>
+          </a:lnRef>
+          <a:fillRef idx="1">
+            <a:schemeClr val="accent1"/>
+          </a:fillRef>
+          <a:effectRef idx="0">
+            <a:schemeClr val="accent1"/>
+          </a:effectRef>
+          <a:fontRef idx="minor">
+            <a:schemeClr val="lt1"/>
+          </a:fontRef>
+        </p:style>
+        <p:txBody>
+          <a:bodyPr rtlCol="0" anchor="ctr"/>
+          <a:lstStyle/>
+          <a:p>
+            <a:pPr algn="ctr"/>
+            <a:r>
+              <a:rPr lang="en-US" sz="1400" dirty="0">
+                <a:solidFill>
+                  <a:schemeClr val="tx1"/>
+                </a:solidFill>
+              </a:rPr>
+              <a:t>Other options</a:t>
+            </a:r>
+          </a:p>
+        </p:txBody>
+      </p:sp>
       <p:cxnSp>
         <p:nvCxnSpPr>
-          <p:cNvPr id="13" name="Connector: Elbow 12">
-            <a:extLst>
-              <a:ext uri="{FF2B5EF4-FFF2-40B4-BE49-F238E27FC236}">
-                <a16:creationId xmlns:a16="http://schemas.microsoft.com/office/drawing/2014/main" id="{F7D7E37A-B790-474E-A6C4-7FE2FBEC8351}"/>
+          <p:cNvPr id="28" name="Connector: Elbow 27">
+            <a:extLst>
+              <a:ext uri="{FF2B5EF4-FFF2-40B4-BE49-F238E27FC236}">
+                <a16:creationId xmlns:a16="http://schemas.microsoft.com/office/drawing/2014/main" id="{F3752D2A-9DA2-4F42-BF63-D3395E307850}"/>
               </a:ext>
             </a:extLst>
           </p:cNvPr>
           <p:cNvCxnSpPr>
             <a:cxnSpLocks/>
-            <a:stCxn id="4" idx="3"/>
-            <a:endCxn id="6" idx="1"/>
+            <a:stCxn id="9" idx="2"/>
           </p:cNvCxnSpPr>
           <p:nvPr/>
         </p:nvCxnSpPr>
         <p:spPr>
-          <a:xfrm flipV="1">
-            <a:off x="4527463" y="3289809"/>
-            <a:ext cx="2230618" cy="564164"/>
+          <a:xfrm rot="16200000" flipH="1">
+            <a:off x="3790409" y="2690199"/>
+            <a:ext cx="1170537" cy="307068"/>
           </a:xfrm>
           <a:prstGeom prst="bentConnector3">
             <a:avLst>
@@ -3882,10 +4081,10 @@
       </p:cxnSp>
       <p:cxnSp>
         <p:nvCxnSpPr>
-          <p:cNvPr id="16" name="Connector: Elbow 15">
-            <a:extLst>
-              <a:ext uri="{FF2B5EF4-FFF2-40B4-BE49-F238E27FC236}">
-                <a16:creationId xmlns:a16="http://schemas.microsoft.com/office/drawing/2014/main" id="{59AA7A1E-3282-4A21-A15F-C734949131B5}"/>
+          <p:cNvPr id="31" name="Connector: Elbow 30">
+            <a:extLst>
+              <a:ext uri="{FF2B5EF4-FFF2-40B4-BE49-F238E27FC236}">
+                <a16:creationId xmlns:a16="http://schemas.microsoft.com/office/drawing/2014/main" id="{0C2E4545-7DE7-43CF-A7AA-31D8F3BFC360}"/>
               </a:ext>
             </a:extLst>
           </p:cNvPr>
@@ -3897,13 +4096,13 @@
           <p:nvPr/>
         </p:nvCxnSpPr>
         <p:spPr>
-          <a:xfrm rot="16200000" flipH="1" flipV="1">
-            <a:off x="5360691" y="1220275"/>
-            <a:ext cx="564164" cy="4022095"/>
+          <a:xfrm rot="5400000" flipH="1" flipV="1">
+            <a:off x="6179316" y="2121472"/>
+            <a:ext cx="12700" cy="2615056"/>
           </a:xfrm>
           <a:prstGeom prst="bentConnector3">
             <a:avLst>
-              <a:gd name="adj1" fmla="val -40520"/>
+              <a:gd name="adj1" fmla="val 1800000"/>
             </a:avLst>
           </a:prstGeom>
           <a:ln w="28575">
@@ -3933,24 +4132,24 @@
       </p:cxnSp>
       <p:cxnSp>
         <p:nvCxnSpPr>
-          <p:cNvPr id="34" name="Straight Arrow Connector 33">
-            <a:extLst>
-              <a:ext uri="{FF2B5EF4-FFF2-40B4-BE49-F238E27FC236}">
-                <a16:creationId xmlns:a16="http://schemas.microsoft.com/office/drawing/2014/main" id="{B571FB34-36F5-45C4-B2D1-436393D81F8B}"/>
+          <p:cNvPr id="39" name="Straight Arrow Connector 38">
+            <a:extLst>
+              <a:ext uri="{FF2B5EF4-FFF2-40B4-BE49-F238E27FC236}">
+                <a16:creationId xmlns:a16="http://schemas.microsoft.com/office/drawing/2014/main" id="{87E8A0A4-ACC7-4F24-9EC2-6CF9D21E49B5}"/>
               </a:ext>
             </a:extLst>
           </p:cNvPr>
           <p:cNvCxnSpPr>
             <a:cxnSpLocks/>
-            <a:stCxn id="6" idx="2"/>
-            <a:endCxn id="7" idx="0"/>
+            <a:stCxn id="4" idx="2"/>
+            <a:endCxn id="8" idx="0"/>
           </p:cNvCxnSpPr>
           <p:nvPr/>
         </p:nvCxnSpPr>
         <p:spPr>
-          <a:xfrm>
-            <a:off x="7653820" y="3630376"/>
-            <a:ext cx="1" cy="1018740"/>
+          <a:xfrm flipH="1">
+            <a:off x="7486843" y="4110135"/>
+            <a:ext cx="1" cy="993250"/>
           </a:xfrm>
           <a:prstGeom prst="straightConnector1">
             <a:avLst/>
@@ -3982,24 +4181,24 @@
       </p:cxnSp>
       <p:cxnSp>
         <p:nvCxnSpPr>
-          <p:cNvPr id="38" name="Straight Arrow Connector 37">
-            <a:extLst>
-              <a:ext uri="{FF2B5EF4-FFF2-40B4-BE49-F238E27FC236}">
-                <a16:creationId xmlns:a16="http://schemas.microsoft.com/office/drawing/2014/main" id="{810E1C76-E88E-4A8D-A496-8302B9D87B40}"/>
+          <p:cNvPr id="42" name="Straight Arrow Connector 41">
+            <a:extLst>
+              <a:ext uri="{FF2B5EF4-FFF2-40B4-BE49-F238E27FC236}">
+                <a16:creationId xmlns:a16="http://schemas.microsoft.com/office/drawing/2014/main" id="{973C772C-170F-4E12-BD7D-2F9118C14C43}"/>
               </a:ext>
             </a:extLst>
           </p:cNvPr>
           <p:cNvCxnSpPr>
             <a:cxnSpLocks/>
-            <a:stCxn id="7" idx="3"/>
-            <a:endCxn id="10" idx="1"/>
+            <a:stCxn id="6" idx="2"/>
+            <a:endCxn id="7" idx="0"/>
           </p:cNvCxnSpPr>
           <p:nvPr/>
         </p:nvCxnSpPr>
         <p:spPr>
-          <a:xfrm flipV="1">
-            <a:off x="8549559" y="4989683"/>
-            <a:ext cx="635229" cy="1"/>
+          <a:xfrm>
+            <a:off x="4871788" y="4110135"/>
+            <a:ext cx="0" cy="993249"/>
           </a:xfrm>
           <a:prstGeom prst="straightConnector1">
             <a:avLst/>
@@ -4031,257 +4230,24 @@
       </p:cxnSp>
       <p:cxnSp>
         <p:nvCxnSpPr>
-          <p:cNvPr id="57" name="Straight Arrow Connector 56">
-            <a:extLst>
-              <a:ext uri="{FF2B5EF4-FFF2-40B4-BE49-F238E27FC236}">
-                <a16:creationId xmlns:a16="http://schemas.microsoft.com/office/drawing/2014/main" id="{AC7661D1-3A21-4402-AB2E-1D6646EC362E}"/>
+          <p:cNvPr id="47" name="Straight Arrow Connector 46">
+            <a:extLst>
+              <a:ext uri="{FF2B5EF4-FFF2-40B4-BE49-F238E27FC236}">
+                <a16:creationId xmlns:a16="http://schemas.microsoft.com/office/drawing/2014/main" id="{3A0D0346-83CA-448F-B8AD-BB3C7C9A70F7}"/>
               </a:ext>
             </a:extLst>
           </p:cNvPr>
           <p:cNvCxnSpPr>
             <a:cxnSpLocks/>
-            <a:stCxn id="4" idx="2"/>
-            <a:endCxn id="8" idx="0"/>
-          </p:cNvCxnSpPr>
-          <p:nvPr/>
-        </p:nvCxnSpPr>
-        <p:spPr>
-          <a:xfrm>
-            <a:off x="3631725" y="4194540"/>
-            <a:ext cx="0" cy="537362"/>
-          </a:xfrm>
-          <a:prstGeom prst="straightConnector1">
-            <a:avLst/>
-          </a:prstGeom>
-          <a:ln w="28575">
-            <a:solidFill>
-              <a:schemeClr val="tx1">
-                <a:lumMod val="50000"/>
-                <a:lumOff val="50000"/>
-              </a:schemeClr>
-            </a:solidFill>
-            <a:tailEnd type="triangle"/>
-          </a:ln>
-        </p:spPr>
-        <p:style>
-          <a:lnRef idx="1">
-            <a:schemeClr val="accent1"/>
-          </a:lnRef>
-          <a:fillRef idx="0">
-            <a:schemeClr val="accent1"/>
-          </a:fillRef>
-          <a:effectRef idx="0">
-            <a:schemeClr val="accent1"/>
-          </a:effectRef>
-          <a:fontRef idx="minor">
-            <a:schemeClr val="tx1"/>
-          </a:fontRef>
-        </p:style>
-      </p:cxnSp>
-      <p:sp>
-        <p:nvSpPr>
-          <p:cNvPr id="69" name="Rectangle 68">
-            <a:extLst>
-              <a:ext uri="{FF2B5EF4-FFF2-40B4-BE49-F238E27FC236}">
-                <a16:creationId xmlns:a16="http://schemas.microsoft.com/office/drawing/2014/main" id="{6D17E053-E9EC-4FA8-9CAF-8FE7B1688937}"/>
-              </a:ext>
-            </a:extLst>
-          </p:cNvPr>
-          <p:cNvSpPr/>
-          <p:nvPr/>
-        </p:nvSpPr>
-        <p:spPr>
-          <a:xfrm>
-            <a:off x="9469411" y="1755066"/>
-            <a:ext cx="1222230" cy="531290"/>
-          </a:xfrm>
-          <a:prstGeom prst="rect">
-            <a:avLst/>
-          </a:prstGeom>
-          <a:solidFill>
-            <a:schemeClr val="accent6">
-              <a:lumMod val="60000"/>
-              <a:lumOff val="40000"/>
-            </a:schemeClr>
-          </a:solidFill>
-          <a:ln>
-            <a:noFill/>
-          </a:ln>
-        </p:spPr>
-        <p:style>
-          <a:lnRef idx="2">
-            <a:schemeClr val="accent1">
-              <a:shade val="50000"/>
-            </a:schemeClr>
-          </a:lnRef>
-          <a:fillRef idx="1">
-            <a:schemeClr val="accent1"/>
-          </a:fillRef>
-          <a:effectRef idx="0">
-            <a:schemeClr val="accent1"/>
-          </a:effectRef>
-          <a:fontRef idx="minor">
-            <a:schemeClr val="lt1"/>
-          </a:fontRef>
-        </p:style>
-        <p:txBody>
-          <a:bodyPr rtlCol="0" anchor="ctr"/>
-          <a:lstStyle/>
-          <a:p>
-            <a:pPr algn="ctr"/>
-            <a:r>
-              <a:rPr lang="en-US" sz="1400" dirty="0">
-                <a:solidFill>
-                  <a:schemeClr val="tx1"/>
-                </a:solidFill>
-              </a:rPr>
-              <a:t>Action handler</a:t>
-            </a:r>
-          </a:p>
-        </p:txBody>
-      </p:sp>
-      <p:sp>
-        <p:nvSpPr>
-          <p:cNvPr id="70" name="Rectangle 69">
-            <a:extLst>
-              <a:ext uri="{FF2B5EF4-FFF2-40B4-BE49-F238E27FC236}">
-                <a16:creationId xmlns:a16="http://schemas.microsoft.com/office/drawing/2014/main" id="{BD9F7425-8DAC-47DF-B285-7BC33BA362E6}"/>
-              </a:ext>
-            </a:extLst>
-          </p:cNvPr>
-          <p:cNvSpPr/>
-          <p:nvPr/>
-        </p:nvSpPr>
-        <p:spPr>
-          <a:xfrm>
-            <a:off x="9469411" y="2477659"/>
-            <a:ext cx="1222230" cy="531290"/>
-          </a:xfrm>
-          <a:prstGeom prst="rect">
-            <a:avLst/>
-          </a:prstGeom>
-          <a:solidFill>
-            <a:schemeClr val="accent6">
-              <a:lumMod val="60000"/>
-              <a:lumOff val="40000"/>
-            </a:schemeClr>
-          </a:solidFill>
-          <a:ln>
-            <a:noFill/>
-          </a:ln>
-        </p:spPr>
-        <p:style>
-          <a:lnRef idx="2">
-            <a:schemeClr val="accent1">
-              <a:shade val="50000"/>
-            </a:schemeClr>
-          </a:lnRef>
-          <a:fillRef idx="1">
-            <a:schemeClr val="accent1"/>
-          </a:fillRef>
-          <a:effectRef idx="0">
-            <a:schemeClr val="accent1"/>
-          </a:effectRef>
-          <a:fontRef idx="minor">
-            <a:schemeClr val="lt1"/>
-          </a:fontRef>
-        </p:style>
-        <p:txBody>
-          <a:bodyPr rtlCol="0" anchor="ctr"/>
-          <a:lstStyle/>
-          <a:p>
-            <a:pPr algn="ctr"/>
-            <a:r>
-              <a:rPr lang="en-US" sz="1400" dirty="0">
-                <a:solidFill>
-                  <a:schemeClr val="tx1"/>
-                </a:solidFill>
-              </a:rPr>
-              <a:t>Reward handler</a:t>
-            </a:r>
-          </a:p>
-        </p:txBody>
-      </p:sp>
-      <p:sp>
-        <p:nvSpPr>
-          <p:cNvPr id="71" name="Rectangle 70">
-            <a:extLst>
-              <a:ext uri="{FF2B5EF4-FFF2-40B4-BE49-F238E27FC236}">
-                <a16:creationId xmlns:a16="http://schemas.microsoft.com/office/drawing/2014/main" id="{57F4E33F-1539-4460-84F4-0C0C5E45820F}"/>
-              </a:ext>
-            </a:extLst>
-          </p:cNvPr>
-          <p:cNvSpPr/>
-          <p:nvPr/>
-        </p:nvSpPr>
-        <p:spPr>
-          <a:xfrm>
-            <a:off x="9469411" y="3200252"/>
-            <a:ext cx="1222230" cy="531290"/>
-          </a:xfrm>
-          <a:prstGeom prst="rect">
-            <a:avLst/>
-          </a:prstGeom>
-          <a:solidFill>
-            <a:schemeClr val="accent6">
-              <a:lumMod val="60000"/>
-              <a:lumOff val="40000"/>
-            </a:schemeClr>
-          </a:solidFill>
-          <a:ln>
-            <a:noFill/>
-          </a:ln>
-        </p:spPr>
-        <p:style>
-          <a:lnRef idx="2">
-            <a:schemeClr val="accent1">
-              <a:shade val="50000"/>
-            </a:schemeClr>
-          </a:lnRef>
-          <a:fillRef idx="1">
-            <a:schemeClr val="accent1"/>
-          </a:fillRef>
-          <a:effectRef idx="0">
-            <a:schemeClr val="accent1"/>
-          </a:effectRef>
-          <a:fontRef idx="minor">
-            <a:schemeClr val="lt1"/>
-          </a:fontRef>
-        </p:style>
-        <p:txBody>
-          <a:bodyPr rtlCol="0" anchor="ctr"/>
-          <a:lstStyle/>
-          <a:p>
-            <a:pPr algn="ctr"/>
-            <a:r>
-              <a:rPr lang="en-US" sz="1400" dirty="0">
-                <a:solidFill>
-                  <a:schemeClr val="tx1"/>
-                </a:solidFill>
-              </a:rPr>
-              <a:t>Observation handler</a:t>
-            </a:r>
-          </a:p>
-        </p:txBody>
-      </p:sp>
-      <p:cxnSp>
-        <p:nvCxnSpPr>
-          <p:cNvPr id="87" name="Straight Arrow Connector 86">
-            <a:extLst>
-              <a:ext uri="{FF2B5EF4-FFF2-40B4-BE49-F238E27FC236}">
-                <a16:creationId xmlns:a16="http://schemas.microsoft.com/office/drawing/2014/main" id="{841E7663-BE35-4CAD-8A6B-A0FCE4BAE46F}"/>
-              </a:ext>
-            </a:extLst>
-          </p:cNvPr>
-          <p:cNvCxnSpPr>
-            <a:cxnSpLocks/>
+            <a:stCxn id="7" idx="1"/>
+            <a:endCxn id="10" idx="3"/>
           </p:cNvCxnSpPr>
           <p:nvPr/>
         </p:nvCxnSpPr>
         <p:spPr>
           <a:xfrm flipH="1">
-            <a:off x="8573675" y="2072442"/>
-            <a:ext cx="871623" cy="1034847"/>
+            <a:off x="2959728" y="5443952"/>
+            <a:ext cx="1016321" cy="0"/>
           </a:xfrm>
           <a:prstGeom prst="straightConnector1">
             <a:avLst/>
@@ -4313,24 +4279,263 @@
       </p:cxnSp>
       <p:cxnSp>
         <p:nvCxnSpPr>
-          <p:cNvPr id="90" name="Straight Arrow Connector 89">
-            <a:extLst>
-              <a:ext uri="{FF2B5EF4-FFF2-40B4-BE49-F238E27FC236}">
-                <a16:creationId xmlns:a16="http://schemas.microsoft.com/office/drawing/2014/main" id="{94838441-1CAB-48D2-A7F1-24FCF91521F1}"/>
+          <p:cNvPr id="50" name="Straight Arrow Connector 49">
+            <a:extLst>
+              <a:ext uri="{FF2B5EF4-FFF2-40B4-BE49-F238E27FC236}">
+                <a16:creationId xmlns:a16="http://schemas.microsoft.com/office/drawing/2014/main" id="{C160D3C2-7E1F-4B2C-A15E-EF26C906BD6D}"/>
               </a:ext>
             </a:extLst>
           </p:cNvPr>
           <p:cNvCxnSpPr>
             <a:cxnSpLocks/>
-            <a:stCxn id="70" idx="1"/>
+            <a:stCxn id="24" idx="3"/>
+          </p:cNvCxnSpPr>
+          <p:nvPr/>
+        </p:nvCxnSpPr>
+        <p:spPr>
+          <a:xfrm flipV="1">
+            <a:off x="2294536" y="4038260"/>
+            <a:ext cx="1681513" cy="187172"/>
+          </a:xfrm>
+          <a:prstGeom prst="straightConnector1">
+            <a:avLst/>
+          </a:prstGeom>
+          <a:ln w="28575">
+            <a:solidFill>
+              <a:schemeClr val="accent6">
+                <a:lumMod val="75000"/>
+              </a:schemeClr>
+            </a:solidFill>
+            <a:tailEnd type="triangle"/>
+          </a:ln>
+        </p:spPr>
+        <p:style>
+          <a:lnRef idx="1">
+            <a:schemeClr val="accent1"/>
+          </a:lnRef>
+          <a:fillRef idx="0">
+            <a:schemeClr val="accent1"/>
+          </a:fillRef>
+          <a:effectRef idx="0">
+            <a:schemeClr val="accent1"/>
+          </a:effectRef>
+          <a:fontRef idx="minor">
+            <a:schemeClr val="tx1"/>
+          </a:fontRef>
+        </p:style>
+      </p:cxnSp>
+      <p:cxnSp>
+        <p:nvCxnSpPr>
+          <p:cNvPr id="54" name="Straight Arrow Connector 53">
+            <a:extLst>
+              <a:ext uri="{FF2B5EF4-FFF2-40B4-BE49-F238E27FC236}">
+                <a16:creationId xmlns:a16="http://schemas.microsoft.com/office/drawing/2014/main" id="{81117D29-53B7-4F31-9D15-626AC59E8625}"/>
+              </a:ext>
+            </a:extLst>
+          </p:cNvPr>
+          <p:cNvCxnSpPr>
+            <a:cxnSpLocks/>
+            <a:stCxn id="18" idx="3"/>
+          </p:cNvCxnSpPr>
+          <p:nvPr/>
+        </p:nvCxnSpPr>
+        <p:spPr>
+          <a:xfrm>
+            <a:off x="2294536" y="2771342"/>
+            <a:ext cx="1643900" cy="827942"/>
+          </a:xfrm>
+          <a:prstGeom prst="straightConnector1">
+            <a:avLst/>
+          </a:prstGeom>
+          <a:ln w="28575">
+            <a:solidFill>
+              <a:schemeClr val="accent6">
+                <a:lumMod val="75000"/>
+              </a:schemeClr>
+            </a:solidFill>
+            <a:tailEnd type="triangle"/>
+          </a:ln>
+        </p:spPr>
+        <p:style>
+          <a:lnRef idx="1">
+            <a:schemeClr val="accent1"/>
+          </a:lnRef>
+          <a:fillRef idx="0">
+            <a:schemeClr val="accent1"/>
+          </a:fillRef>
+          <a:effectRef idx="0">
+            <a:schemeClr val="accent1"/>
+          </a:effectRef>
+          <a:fontRef idx="minor">
+            <a:schemeClr val="tx1"/>
+          </a:fontRef>
+        </p:style>
+      </p:cxnSp>
+      <p:cxnSp>
+        <p:nvCxnSpPr>
+          <p:cNvPr id="55" name="Straight Arrow Connector 54">
+            <a:extLst>
+              <a:ext uri="{FF2B5EF4-FFF2-40B4-BE49-F238E27FC236}">
+                <a16:creationId xmlns:a16="http://schemas.microsoft.com/office/drawing/2014/main" id="{D31C9837-5F32-4864-8252-42A4276606AF}"/>
+              </a:ext>
+            </a:extLst>
+          </p:cNvPr>
+          <p:cNvCxnSpPr>
+            <a:cxnSpLocks/>
+            <a:stCxn id="17" idx="3"/>
+          </p:cNvCxnSpPr>
+          <p:nvPr/>
+        </p:nvCxnSpPr>
+        <p:spPr>
+          <a:xfrm>
+            <a:off x="2294536" y="2044297"/>
+            <a:ext cx="1763986" cy="1327691"/>
+          </a:xfrm>
+          <a:prstGeom prst="straightConnector1">
+            <a:avLst/>
+          </a:prstGeom>
+          <a:ln w="28575">
+            <a:solidFill>
+              <a:schemeClr val="accent6">
+                <a:lumMod val="75000"/>
+              </a:schemeClr>
+            </a:solidFill>
+            <a:tailEnd type="triangle"/>
+          </a:ln>
+        </p:spPr>
+        <p:style>
+          <a:lnRef idx="1">
+            <a:schemeClr val="accent1"/>
+          </a:lnRef>
+          <a:fillRef idx="0">
+            <a:schemeClr val="accent1"/>
+          </a:fillRef>
+          <a:effectRef idx="0">
+            <a:schemeClr val="accent1"/>
+          </a:effectRef>
+          <a:fontRef idx="minor">
+            <a:schemeClr val="tx1"/>
+          </a:fontRef>
+        </p:style>
+      </p:cxnSp>
+      <p:cxnSp>
+        <p:nvCxnSpPr>
+          <p:cNvPr id="60" name="Straight Arrow Connector 59">
+            <a:extLst>
+              <a:ext uri="{FF2B5EF4-FFF2-40B4-BE49-F238E27FC236}">
+                <a16:creationId xmlns:a16="http://schemas.microsoft.com/office/drawing/2014/main" id="{AEFB4593-EEB8-43A1-B6F2-3F65BCBDE9AF}"/>
+              </a:ext>
+            </a:extLst>
+          </p:cNvPr>
+          <p:cNvCxnSpPr>
+            <a:cxnSpLocks/>
+            <a:stCxn id="19" idx="3"/>
+            <a:endCxn id="6" idx="1"/>
+          </p:cNvCxnSpPr>
+          <p:nvPr/>
+        </p:nvCxnSpPr>
+        <p:spPr>
+          <a:xfrm>
+            <a:off x="2294536" y="3498387"/>
+            <a:ext cx="1681513" cy="271181"/>
+          </a:xfrm>
+          <a:prstGeom prst="straightConnector1">
+            <a:avLst/>
+          </a:prstGeom>
+          <a:ln w="28575">
+            <a:solidFill>
+              <a:schemeClr val="accent6">
+                <a:lumMod val="75000"/>
+              </a:schemeClr>
+            </a:solidFill>
+            <a:tailEnd type="triangle"/>
+          </a:ln>
+        </p:spPr>
+        <p:style>
+          <a:lnRef idx="1">
+            <a:schemeClr val="accent1"/>
+          </a:lnRef>
+          <a:fillRef idx="0">
+            <a:schemeClr val="accent1"/>
+          </a:fillRef>
+          <a:effectRef idx="0">
+            <a:schemeClr val="accent1"/>
+          </a:effectRef>
+          <a:fontRef idx="minor">
+            <a:schemeClr val="tx1"/>
+          </a:fontRef>
+        </p:style>
+      </p:cxnSp>
+      <p:cxnSp>
+        <p:nvCxnSpPr>
+          <p:cNvPr id="63" name="Connector: Elbow 62">
+            <a:extLst>
+              <a:ext uri="{FF2B5EF4-FFF2-40B4-BE49-F238E27FC236}">
+                <a16:creationId xmlns:a16="http://schemas.microsoft.com/office/drawing/2014/main" id="{A7DB7586-BC3C-4000-AC60-9DA47864A4C9}"/>
+              </a:ext>
+            </a:extLst>
+          </p:cNvPr>
+          <p:cNvCxnSpPr>
+            <a:cxnSpLocks/>
+            <a:stCxn id="5" idx="3"/>
+            <a:endCxn id="4" idx="3"/>
+          </p:cNvCxnSpPr>
+          <p:nvPr/>
+        </p:nvCxnSpPr>
+        <p:spPr>
+          <a:xfrm>
+            <a:off x="7795487" y="2572919"/>
+            <a:ext cx="587095" cy="1196649"/>
+          </a:xfrm>
+          <a:prstGeom prst="bentConnector3">
+            <a:avLst>
+              <a:gd name="adj1" fmla="val 138937"/>
+            </a:avLst>
+          </a:prstGeom>
+          <a:ln w="28575">
+            <a:solidFill>
+              <a:schemeClr val="accent6">
+                <a:lumMod val="75000"/>
+              </a:schemeClr>
+            </a:solidFill>
+            <a:tailEnd type="triangle"/>
+          </a:ln>
+        </p:spPr>
+        <p:style>
+          <a:lnRef idx="1">
+            <a:schemeClr val="accent1"/>
+          </a:lnRef>
+          <a:fillRef idx="0">
+            <a:schemeClr val="accent1"/>
+          </a:fillRef>
+          <a:effectRef idx="0">
+            <a:schemeClr val="accent1"/>
+          </a:effectRef>
+          <a:fontRef idx="minor">
+            <a:schemeClr val="tx1"/>
+          </a:fontRef>
+        </p:style>
+      </p:cxnSp>
+      <p:cxnSp>
+        <p:nvCxnSpPr>
+          <p:cNvPr id="70" name="Straight Arrow Connector 69">
+            <a:extLst>
+              <a:ext uri="{FF2B5EF4-FFF2-40B4-BE49-F238E27FC236}">
+                <a16:creationId xmlns:a16="http://schemas.microsoft.com/office/drawing/2014/main" id="{5E796F19-D9C2-4D72-94AC-4245FE3B4724}"/>
+              </a:ext>
+            </a:extLst>
+          </p:cNvPr>
+          <p:cNvCxnSpPr>
+            <a:cxnSpLocks/>
+            <a:stCxn id="4" idx="1"/>
             <a:endCxn id="6" idx="3"/>
           </p:cNvCxnSpPr>
           <p:nvPr/>
         </p:nvCxnSpPr>
         <p:spPr>
           <a:xfrm flipH="1">
-            <a:off x="8549558" y="2743304"/>
-            <a:ext cx="919853" cy="546505"/>
+            <a:off x="5767526" y="3769568"/>
+            <a:ext cx="823579" cy="0"/>
           </a:xfrm>
           <a:prstGeom prst="straightConnector1">
             <a:avLst/>
@@ -4360,217 +4565,547 @@
           </a:fontRef>
         </p:style>
       </p:cxnSp>
-      <p:cxnSp>
-        <p:nvCxnSpPr>
-          <p:cNvPr id="93" name="Straight Arrow Connector 92">
-            <a:extLst>
-              <a:ext uri="{FF2B5EF4-FFF2-40B4-BE49-F238E27FC236}">
-                <a16:creationId xmlns:a16="http://schemas.microsoft.com/office/drawing/2014/main" id="{2C53B4DB-45C4-4C70-9A28-AC926B02D067}"/>
-              </a:ext>
-            </a:extLst>
-          </p:cNvPr>
-          <p:cNvCxnSpPr>
-            <a:cxnSpLocks/>
-            <a:stCxn id="71" idx="1"/>
-          </p:cNvCxnSpPr>
+      <p:grpSp>
+        <p:nvGrpSpPr>
+          <p:cNvPr id="2" name="Group 1">
+            <a:extLst>
+              <a:ext uri="{FF2B5EF4-FFF2-40B4-BE49-F238E27FC236}">
+                <a16:creationId xmlns:a16="http://schemas.microsoft.com/office/drawing/2014/main" id="{389DDEBE-AB68-46B1-AD0B-136DD55BC376}"/>
+              </a:ext>
+            </a:extLst>
+          </p:cNvPr>
+          <p:cNvGrpSpPr/>
           <p:nvPr/>
-        </p:nvCxnSpPr>
-        <p:spPr>
-          <a:xfrm flipH="1" flipV="1">
-            <a:off x="8548877" y="3417651"/>
-            <a:ext cx="920534" cy="48246"/>
+        </p:nvGrpSpPr>
+        <p:grpSpPr>
+          <a:xfrm>
+            <a:off x="8757188" y="1357925"/>
+            <a:ext cx="2881752" cy="4177661"/>
+            <a:chOff x="8854846" y="1340169"/>
+            <a:chExt cx="2881752" cy="4177661"/>
           </a:xfrm>
-          <a:prstGeom prst="straightConnector1">
-            <a:avLst/>
-          </a:prstGeom>
-          <a:ln w="28575">
+        </p:grpSpPr>
+        <p:sp>
+          <p:nvSpPr>
+            <p:cNvPr id="95" name="Rectangle 94">
+              <a:extLst>
+                <a:ext uri="{FF2B5EF4-FFF2-40B4-BE49-F238E27FC236}">
+                  <a16:creationId xmlns:a16="http://schemas.microsoft.com/office/drawing/2014/main" id="{792391A4-AC96-41E8-9EE8-E4A41649B4D8}"/>
+                </a:ext>
+              </a:extLst>
+            </p:cNvPr>
+            <p:cNvSpPr/>
+            <p:nvPr/>
+          </p:nvSpPr>
+          <p:spPr>
+            <a:xfrm>
+              <a:off x="8854846" y="1340169"/>
+              <a:ext cx="2872071" cy="4177661"/>
+            </a:xfrm>
+            <a:prstGeom prst="rect">
+              <a:avLst/>
+            </a:prstGeom>
+            <a:ln>
+              <a:noFill/>
+            </a:ln>
+          </p:spPr>
+          <p:style>
+            <a:lnRef idx="2">
+              <a:schemeClr val="dk1"/>
+            </a:lnRef>
+            <a:fillRef idx="1">
+              <a:schemeClr val="lt1"/>
+            </a:fillRef>
+            <a:effectRef idx="0">
+              <a:schemeClr val="dk1"/>
+            </a:effectRef>
+            <a:fontRef idx="minor">
+              <a:schemeClr val="dk1"/>
+            </a:fontRef>
+          </p:style>
+          <p:txBody>
+            <a:bodyPr rtlCol="0" anchor="ctr"/>
+            <a:lstStyle/>
+            <a:p>
+              <a:pPr algn="ctr"/>
+              <a:endParaRPr lang="en-US" dirty="0"/>
+            </a:p>
+          </p:txBody>
+        </p:sp>
+        <p:sp>
+          <p:nvSpPr>
+            <p:cNvPr id="96" name="TextBox 95">
+              <a:extLst>
+                <a:ext uri="{FF2B5EF4-FFF2-40B4-BE49-F238E27FC236}">
+                  <a16:creationId xmlns:a16="http://schemas.microsoft.com/office/drawing/2014/main" id="{AC3FE258-2063-401F-88EB-F2CD1DB5D7F6}"/>
+                </a:ext>
+              </a:extLst>
+            </p:cNvPr>
+            <p:cNvSpPr txBox="1"/>
+            <p:nvPr/>
+          </p:nvSpPr>
+          <p:spPr>
+            <a:xfrm>
+              <a:off x="9395142" y="1511963"/>
+              <a:ext cx="1791477" cy="369332"/>
+            </a:xfrm>
+            <a:prstGeom prst="rect">
+              <a:avLst/>
+            </a:prstGeom>
+            <a:noFill/>
+          </p:spPr>
+          <p:txBody>
+            <a:bodyPr wrap="square" rtlCol="0">
+              <a:spAutoFit/>
+            </a:bodyPr>
+            <a:lstStyle/>
+            <a:p>
+              <a:pPr algn="ctr"/>
+              <a:r>
+                <a:rPr lang="en-US" dirty="0"/>
+                <a:t>Legend</a:t>
+              </a:r>
+            </a:p>
+          </p:txBody>
+        </p:sp>
+        <p:sp>
+          <p:nvSpPr>
+            <p:cNvPr id="97" name="TextBox 96">
+              <a:extLst>
+                <a:ext uri="{FF2B5EF4-FFF2-40B4-BE49-F238E27FC236}">
+                  <a16:creationId xmlns:a16="http://schemas.microsoft.com/office/drawing/2014/main" id="{59DD9C44-4DAF-4C41-8249-3E54F2B93CFD}"/>
+                </a:ext>
+              </a:extLst>
+            </p:cNvPr>
+            <p:cNvSpPr txBox="1"/>
+            <p:nvPr/>
+          </p:nvSpPr>
+          <p:spPr>
+            <a:xfrm>
+              <a:off x="9724918" y="2113143"/>
+              <a:ext cx="2011680" cy="307777"/>
+            </a:xfrm>
+            <a:prstGeom prst="rect">
+              <a:avLst/>
+            </a:prstGeom>
+            <a:noFill/>
+          </p:spPr>
+          <p:txBody>
+            <a:bodyPr wrap="square" rtlCol="0">
+              <a:spAutoFit/>
+            </a:bodyPr>
+            <a:lstStyle/>
+            <a:p>
+              <a:r>
+                <a:rPr lang="en-US" sz="1400" dirty="0"/>
+                <a:t>Component Of</a:t>
+              </a:r>
+            </a:p>
+          </p:txBody>
+        </p:sp>
+        <p:sp>
+          <p:nvSpPr>
+            <p:cNvPr id="98" name="TextBox 97">
+              <a:extLst>
+                <a:ext uri="{FF2B5EF4-FFF2-40B4-BE49-F238E27FC236}">
+                  <a16:creationId xmlns:a16="http://schemas.microsoft.com/office/drawing/2014/main" id="{8992C425-CF53-4582-A3C6-4463B5443956}"/>
+                </a:ext>
+              </a:extLst>
+            </p:cNvPr>
+            <p:cNvSpPr txBox="1"/>
+            <p:nvPr/>
+          </p:nvSpPr>
+          <p:spPr>
+            <a:xfrm>
+              <a:off x="9724918" y="2725978"/>
+              <a:ext cx="2011680" cy="307777"/>
+            </a:xfrm>
+            <a:prstGeom prst="rect">
+              <a:avLst/>
+            </a:prstGeom>
+            <a:noFill/>
+          </p:spPr>
+          <p:txBody>
+            <a:bodyPr wrap="square" rtlCol="0">
+              <a:spAutoFit/>
+            </a:bodyPr>
+            <a:lstStyle/>
+            <a:p>
+              <a:r>
+                <a:rPr lang="en-US" sz="1400" dirty="0"/>
+                <a:t>Interaction/Data Transfer</a:t>
+              </a:r>
+            </a:p>
+          </p:txBody>
+        </p:sp>
+        <p:sp>
+          <p:nvSpPr>
+            <p:cNvPr id="99" name="TextBox 98">
+              <a:extLst>
+                <a:ext uri="{FF2B5EF4-FFF2-40B4-BE49-F238E27FC236}">
+                  <a16:creationId xmlns:a16="http://schemas.microsoft.com/office/drawing/2014/main" id="{D689047C-EB52-4917-9FDE-42282BCFE143}"/>
+                </a:ext>
+              </a:extLst>
+            </p:cNvPr>
+            <p:cNvSpPr txBox="1"/>
+            <p:nvPr/>
+          </p:nvSpPr>
+          <p:spPr>
+            <a:xfrm>
+              <a:off x="9724918" y="3735053"/>
+              <a:ext cx="2011680" cy="307777"/>
+            </a:xfrm>
+            <a:prstGeom prst="rect">
+              <a:avLst/>
+            </a:prstGeom>
+            <a:noFill/>
+          </p:spPr>
+          <p:txBody>
+            <a:bodyPr wrap="square" rtlCol="0">
+              <a:spAutoFit/>
+            </a:bodyPr>
+            <a:lstStyle/>
+            <a:p>
+              <a:r>
+                <a:rPr lang="en-US" sz="1400" dirty="0"/>
+                <a:t>Agent Component</a:t>
+              </a:r>
+            </a:p>
+          </p:txBody>
+        </p:sp>
+        <p:sp>
+          <p:nvSpPr>
+            <p:cNvPr id="100" name="TextBox 99">
+              <a:extLst>
+                <a:ext uri="{FF2B5EF4-FFF2-40B4-BE49-F238E27FC236}">
+                  <a16:creationId xmlns:a16="http://schemas.microsoft.com/office/drawing/2014/main" id="{455F468A-3153-4D0F-824F-473657937E27}"/>
+                </a:ext>
+              </a:extLst>
+            </p:cNvPr>
+            <p:cNvSpPr txBox="1"/>
+            <p:nvPr/>
+          </p:nvSpPr>
+          <p:spPr>
+            <a:xfrm>
+              <a:off x="9724918" y="4347888"/>
+              <a:ext cx="2011680" cy="307777"/>
+            </a:xfrm>
+            <a:prstGeom prst="rect">
+              <a:avLst/>
+            </a:prstGeom>
+            <a:noFill/>
+          </p:spPr>
+          <p:txBody>
+            <a:bodyPr wrap="square" rtlCol="0">
+              <a:spAutoFit/>
+            </a:bodyPr>
+            <a:lstStyle/>
+            <a:p>
+              <a:r>
+                <a:rPr lang="en-US" sz="1400" dirty="0"/>
+                <a:t>Environment Component</a:t>
+              </a:r>
+            </a:p>
+          </p:txBody>
+        </p:sp>
+        <p:sp>
+          <p:nvSpPr>
+            <p:cNvPr id="101" name="TextBox 100">
+              <a:extLst>
+                <a:ext uri="{FF2B5EF4-FFF2-40B4-BE49-F238E27FC236}">
+                  <a16:creationId xmlns:a16="http://schemas.microsoft.com/office/drawing/2014/main" id="{161843A9-C697-46E0-BA51-C4F8D83A1849}"/>
+                </a:ext>
+              </a:extLst>
+            </p:cNvPr>
+            <p:cNvSpPr txBox="1"/>
+            <p:nvPr/>
+          </p:nvSpPr>
+          <p:spPr>
+            <a:xfrm>
+              <a:off x="9724918" y="4960722"/>
+              <a:ext cx="2011680" cy="307777"/>
+            </a:xfrm>
+            <a:prstGeom prst="rect">
+              <a:avLst/>
+            </a:prstGeom>
+            <a:noFill/>
+          </p:spPr>
+          <p:txBody>
+            <a:bodyPr wrap="square" rtlCol="0">
+              <a:spAutoFit/>
+            </a:bodyPr>
+            <a:lstStyle/>
+            <a:p>
+              <a:r>
+                <a:rPr lang="en-US" sz="1400" dirty="0"/>
+                <a:t>Logging Component</a:t>
+              </a:r>
+            </a:p>
+          </p:txBody>
+        </p:sp>
+        <p:cxnSp>
+          <p:nvCxnSpPr>
+            <p:cNvPr id="102" name="Straight Arrow Connector 101">
+              <a:extLst>
+                <a:ext uri="{FF2B5EF4-FFF2-40B4-BE49-F238E27FC236}">
+                  <a16:creationId xmlns:a16="http://schemas.microsoft.com/office/drawing/2014/main" id="{8700924B-12DE-4BD3-B38C-836A3E04B945}"/>
+                </a:ext>
+              </a:extLst>
+            </p:cNvPr>
+            <p:cNvCxnSpPr>
+              <a:cxnSpLocks/>
+            </p:cNvCxnSpPr>
+            <p:nvPr/>
+          </p:nvCxnSpPr>
+          <p:spPr>
+            <a:xfrm>
+              <a:off x="9108489" y="2267031"/>
+              <a:ext cx="616429" cy="1"/>
+            </a:xfrm>
+            <a:prstGeom prst="straightConnector1">
+              <a:avLst/>
+            </a:prstGeom>
+            <a:ln w="28575">
+              <a:solidFill>
+                <a:schemeClr val="accent6">
+                  <a:lumMod val="75000"/>
+                </a:schemeClr>
+              </a:solidFill>
+              <a:tailEnd type="triangle"/>
+            </a:ln>
+          </p:spPr>
+          <p:style>
+            <a:lnRef idx="1">
+              <a:schemeClr val="accent1"/>
+            </a:lnRef>
+            <a:fillRef idx="0">
+              <a:schemeClr val="accent1"/>
+            </a:fillRef>
+            <a:effectRef idx="0">
+              <a:schemeClr val="accent1"/>
+            </a:effectRef>
+            <a:fontRef idx="minor">
+              <a:schemeClr val="tx1"/>
+            </a:fontRef>
+          </p:style>
+        </p:cxnSp>
+        <p:cxnSp>
+          <p:nvCxnSpPr>
+            <p:cNvPr id="103" name="Straight Arrow Connector 102">
+              <a:extLst>
+                <a:ext uri="{FF2B5EF4-FFF2-40B4-BE49-F238E27FC236}">
+                  <a16:creationId xmlns:a16="http://schemas.microsoft.com/office/drawing/2014/main" id="{C0271F5D-8BAC-4B4A-BD87-611BC0E06FE3}"/>
+                </a:ext>
+              </a:extLst>
+            </p:cNvPr>
+            <p:cNvCxnSpPr>
+              <a:cxnSpLocks/>
+            </p:cNvCxnSpPr>
+            <p:nvPr/>
+          </p:nvCxnSpPr>
+          <p:spPr>
+            <a:xfrm>
+              <a:off x="9108489" y="2879185"/>
+              <a:ext cx="616429" cy="1"/>
+            </a:xfrm>
+            <a:prstGeom prst="straightConnector1">
+              <a:avLst/>
+            </a:prstGeom>
+            <a:ln w="28575">
+              <a:solidFill>
+                <a:schemeClr val="tx1">
+                  <a:lumMod val="50000"/>
+                  <a:lumOff val="50000"/>
+                </a:schemeClr>
+              </a:solidFill>
+              <a:tailEnd type="triangle"/>
+            </a:ln>
+          </p:spPr>
+          <p:style>
+            <a:lnRef idx="1">
+              <a:schemeClr val="accent1"/>
+            </a:lnRef>
+            <a:fillRef idx="0">
+              <a:schemeClr val="accent1"/>
+            </a:fillRef>
+            <a:effectRef idx="0">
+              <a:schemeClr val="accent1"/>
+            </a:effectRef>
+            <a:fontRef idx="minor">
+              <a:schemeClr val="tx1"/>
+            </a:fontRef>
+          </p:style>
+        </p:cxnSp>
+        <p:sp>
+          <p:nvSpPr>
+            <p:cNvPr id="104" name="Rectangle 103">
+              <a:extLst>
+                <a:ext uri="{FF2B5EF4-FFF2-40B4-BE49-F238E27FC236}">
+                  <a16:creationId xmlns:a16="http://schemas.microsoft.com/office/drawing/2014/main" id="{3363D027-D7BF-4C17-82AD-996D32CF66A3}"/>
+                </a:ext>
+              </a:extLst>
+            </p:cNvPr>
+            <p:cNvSpPr/>
+            <p:nvPr/>
+          </p:nvSpPr>
+          <p:spPr>
+            <a:xfrm>
+              <a:off x="9108489" y="3733692"/>
+              <a:ext cx="616429" cy="307778"/>
+            </a:xfrm>
+            <a:prstGeom prst="rect">
+              <a:avLst/>
+            </a:prstGeom>
             <a:solidFill>
-              <a:schemeClr val="tx1">
-                <a:lumMod val="50000"/>
-                <a:lumOff val="50000"/>
+              <a:schemeClr val="accent6">
+                <a:lumMod val="60000"/>
+                <a:lumOff val="40000"/>
               </a:schemeClr>
             </a:solidFill>
-            <a:tailEnd type="triangle"/>
-          </a:ln>
-        </p:spPr>
-        <p:style>
-          <a:lnRef idx="1">
-            <a:schemeClr val="accent1"/>
-          </a:lnRef>
-          <a:fillRef idx="0">
-            <a:schemeClr val="accent1"/>
-          </a:fillRef>
-          <a:effectRef idx="0">
-            <a:schemeClr val="accent1"/>
-          </a:effectRef>
-          <a:fontRef idx="minor">
-            <a:schemeClr val="tx1"/>
-          </a:fontRef>
-        </p:style>
-      </p:cxnSp>
-      <p:cxnSp>
-        <p:nvCxnSpPr>
-          <p:cNvPr id="116" name="Connector: Elbow 115">
-            <a:extLst>
-              <a:ext uri="{FF2B5EF4-FFF2-40B4-BE49-F238E27FC236}">
-                <a16:creationId xmlns:a16="http://schemas.microsoft.com/office/drawing/2014/main" id="{4FD2A9FC-8BD9-44AA-985E-AD621B012437}"/>
-              </a:ext>
-            </a:extLst>
-          </p:cNvPr>
-          <p:cNvCxnSpPr>
-            <a:cxnSpLocks/>
-            <a:stCxn id="5" idx="2"/>
-            <a:endCxn id="4" idx="1"/>
-          </p:cNvCxnSpPr>
-          <p:nvPr/>
-        </p:nvCxnSpPr>
-        <p:spPr>
-          <a:xfrm rot="16200000" flipH="1">
-            <a:off x="1784281" y="2902268"/>
-            <a:ext cx="1077288" cy="826122"/>
-          </a:xfrm>
-          <a:prstGeom prst="bentConnector2">
-            <a:avLst/>
-          </a:prstGeom>
-          <a:ln w="28575">
+            <a:ln>
+              <a:noFill/>
+            </a:ln>
+          </p:spPr>
+          <p:style>
+            <a:lnRef idx="2">
+              <a:schemeClr val="accent1">
+                <a:shade val="50000"/>
+              </a:schemeClr>
+            </a:lnRef>
+            <a:fillRef idx="1">
+              <a:schemeClr val="accent1"/>
+            </a:fillRef>
+            <a:effectRef idx="0">
+              <a:schemeClr val="accent1"/>
+            </a:effectRef>
+            <a:fontRef idx="minor">
+              <a:schemeClr val="lt1"/>
+            </a:fontRef>
+          </p:style>
+          <p:txBody>
+            <a:bodyPr rtlCol="0" anchor="ctr"/>
+            <a:lstStyle/>
+            <a:p>
+              <a:pPr algn="ctr"/>
+              <a:endParaRPr lang="en-US" dirty="0"/>
+            </a:p>
+          </p:txBody>
+        </p:sp>
+        <p:sp>
+          <p:nvSpPr>
+            <p:cNvPr id="105" name="Rectangle 104">
+              <a:extLst>
+                <a:ext uri="{FF2B5EF4-FFF2-40B4-BE49-F238E27FC236}">
+                  <a16:creationId xmlns:a16="http://schemas.microsoft.com/office/drawing/2014/main" id="{7642C10F-FDF4-4605-8911-DB94E5133C7B}"/>
+                </a:ext>
+              </a:extLst>
+            </p:cNvPr>
+            <p:cNvSpPr/>
+            <p:nvPr/>
+          </p:nvSpPr>
+          <p:spPr>
+            <a:xfrm>
+              <a:off x="9108489" y="4340949"/>
+              <a:ext cx="616429" cy="307778"/>
+            </a:xfrm>
+            <a:prstGeom prst="rect">
+              <a:avLst/>
+            </a:prstGeom>
             <a:solidFill>
-              <a:schemeClr val="tx1">
-                <a:lumMod val="50000"/>
-                <a:lumOff val="50000"/>
+              <a:schemeClr val="accent1">
+                <a:lumMod val="40000"/>
+                <a:lumOff val="60000"/>
               </a:schemeClr>
             </a:solidFill>
-            <a:tailEnd type="triangle"/>
-          </a:ln>
-        </p:spPr>
-        <p:style>
-          <a:lnRef idx="1">
-            <a:schemeClr val="accent1"/>
-          </a:lnRef>
-          <a:fillRef idx="0">
-            <a:schemeClr val="accent1"/>
-          </a:fillRef>
-          <a:effectRef idx="0">
-            <a:schemeClr val="accent1"/>
-          </a:effectRef>
-          <a:fontRef idx="minor">
-            <a:schemeClr val="tx1"/>
-          </a:fontRef>
-        </p:style>
-      </p:cxnSp>
-      <p:sp>
-        <p:nvSpPr>
-          <p:cNvPr id="24" name="Rectangle 23">
-            <a:extLst>
-              <a:ext uri="{FF2B5EF4-FFF2-40B4-BE49-F238E27FC236}">
-                <a16:creationId xmlns:a16="http://schemas.microsoft.com/office/drawing/2014/main" id="{00BFC49F-58A5-469A-BDA6-5954C469C93E}"/>
-              </a:ext>
-            </a:extLst>
-          </p:cNvPr>
-          <p:cNvSpPr/>
-          <p:nvPr/>
-        </p:nvSpPr>
-        <p:spPr>
-          <a:xfrm>
-            <a:off x="9469411" y="3922845"/>
-            <a:ext cx="1222230" cy="531290"/>
-          </a:xfrm>
-          <a:prstGeom prst="rect">
-            <a:avLst/>
-          </a:prstGeom>
-          <a:solidFill>
-            <a:schemeClr val="accent6">
-              <a:lumMod val="60000"/>
-              <a:lumOff val="40000"/>
-            </a:schemeClr>
-          </a:solidFill>
-          <a:ln>
-            <a:noFill/>
-          </a:ln>
-        </p:spPr>
-        <p:style>
-          <a:lnRef idx="2">
-            <a:schemeClr val="accent1">
-              <a:shade val="50000"/>
-            </a:schemeClr>
-          </a:lnRef>
-          <a:fillRef idx="1">
-            <a:schemeClr val="accent1"/>
-          </a:fillRef>
-          <a:effectRef idx="0">
-            <a:schemeClr val="accent1"/>
-          </a:effectRef>
-          <a:fontRef idx="minor">
-            <a:schemeClr val="lt1"/>
-          </a:fontRef>
-        </p:style>
-        <p:txBody>
-          <a:bodyPr rtlCol="0" anchor="ctr"/>
-          <a:lstStyle/>
-          <a:p>
-            <a:pPr algn="ctr"/>
-            <a:r>
-              <a:rPr lang="en-US" sz="1400" dirty="0">
-                <a:solidFill>
-                  <a:schemeClr val="tx1"/>
-                </a:solidFill>
-              </a:rPr>
-              <a:t>Other options</a:t>
-            </a:r>
-          </a:p>
-        </p:txBody>
-      </p:sp>
-      <p:cxnSp>
-        <p:nvCxnSpPr>
-          <p:cNvPr id="25" name="Straight Arrow Connector 24">
-            <a:extLst>
-              <a:ext uri="{FF2B5EF4-FFF2-40B4-BE49-F238E27FC236}">
-                <a16:creationId xmlns:a16="http://schemas.microsoft.com/office/drawing/2014/main" id="{4BA82631-C52A-4F79-BEA6-2CA52FCB81AA}"/>
-              </a:ext>
-            </a:extLst>
-          </p:cNvPr>
-          <p:cNvCxnSpPr>
-            <a:cxnSpLocks/>
-            <a:stCxn id="24" idx="1"/>
-          </p:cNvCxnSpPr>
-          <p:nvPr/>
-        </p:nvCxnSpPr>
-        <p:spPr>
-          <a:xfrm flipH="1" flipV="1">
-            <a:off x="8573675" y="3529062"/>
-            <a:ext cx="895736" cy="659428"/>
-          </a:xfrm>
-          <a:prstGeom prst="straightConnector1">
-            <a:avLst/>
-          </a:prstGeom>
-          <a:ln w="28575">
+            <a:ln>
+              <a:noFill/>
+            </a:ln>
+          </p:spPr>
+          <p:style>
+            <a:lnRef idx="2">
+              <a:schemeClr val="accent1">
+                <a:shade val="50000"/>
+              </a:schemeClr>
+            </a:lnRef>
+            <a:fillRef idx="1">
+              <a:schemeClr val="accent1"/>
+            </a:fillRef>
+            <a:effectRef idx="0">
+              <a:schemeClr val="accent1"/>
+            </a:effectRef>
+            <a:fontRef idx="minor">
+              <a:schemeClr val="lt1"/>
+            </a:fontRef>
+          </p:style>
+          <p:txBody>
+            <a:bodyPr rtlCol="0" anchor="ctr"/>
+            <a:lstStyle/>
+            <a:p>
+              <a:pPr algn="ctr"/>
+              <a:endParaRPr lang="en-US" dirty="0"/>
+            </a:p>
+          </p:txBody>
+        </p:sp>
+        <p:sp>
+          <p:nvSpPr>
+            <p:cNvPr id="106" name="Rectangle 105">
+              <a:extLst>
+                <a:ext uri="{FF2B5EF4-FFF2-40B4-BE49-F238E27FC236}">
+                  <a16:creationId xmlns:a16="http://schemas.microsoft.com/office/drawing/2014/main" id="{1761E8B9-3380-4B4C-8DC5-E94514D47275}"/>
+                </a:ext>
+              </a:extLst>
+            </p:cNvPr>
+            <p:cNvSpPr/>
+            <p:nvPr/>
+          </p:nvSpPr>
+          <p:spPr>
+            <a:xfrm>
+              <a:off x="9108489" y="4955144"/>
+              <a:ext cx="616429" cy="307778"/>
+            </a:xfrm>
+            <a:prstGeom prst="rect">
+              <a:avLst/>
+            </a:prstGeom>
             <a:solidFill>
-              <a:schemeClr val="tx1">
-                <a:lumMod val="50000"/>
-                <a:lumOff val="50000"/>
+              <a:schemeClr val="accent4">
+                <a:lumMod val="60000"/>
+                <a:lumOff val="40000"/>
               </a:schemeClr>
             </a:solidFill>
-            <a:tailEnd type="triangle"/>
-          </a:ln>
-        </p:spPr>
-        <p:style>
-          <a:lnRef idx="1">
-            <a:schemeClr val="accent1"/>
-          </a:lnRef>
-          <a:fillRef idx="0">
-            <a:schemeClr val="accent1"/>
-          </a:fillRef>
-          <a:effectRef idx="0">
-            <a:schemeClr val="accent1"/>
-          </a:effectRef>
-          <a:fontRef idx="minor">
-            <a:schemeClr val="tx1"/>
-          </a:fontRef>
-        </p:style>
-      </p:cxnSp>
+            <a:ln>
+              <a:noFill/>
+            </a:ln>
+          </p:spPr>
+          <p:style>
+            <a:lnRef idx="2">
+              <a:schemeClr val="accent1">
+                <a:shade val="50000"/>
+              </a:schemeClr>
+            </a:lnRef>
+            <a:fillRef idx="1">
+              <a:schemeClr val="accent1"/>
+            </a:fillRef>
+            <a:effectRef idx="0">
+              <a:schemeClr val="accent1"/>
+            </a:effectRef>
+            <a:fontRef idx="minor">
+              <a:schemeClr val="lt1"/>
+            </a:fontRef>
+          </p:style>
+          <p:txBody>
+            <a:bodyPr rtlCol="0" anchor="ctr"/>
+            <a:lstStyle/>
+            <a:p>
+              <a:pPr algn="ctr"/>
+              <a:endParaRPr lang="en-US" dirty="0"/>
+            </a:p>
+          </p:txBody>
+        </p:sp>
+      </p:grpSp>
     </p:spTree>
     <p:extLst>
       <p:ext uri="{BB962C8B-B14F-4D97-AF65-F5344CB8AC3E}">
-        <p14:creationId xmlns:p14="http://schemas.microsoft.com/office/powerpoint/2010/main" val="1805478687"/>
+        <p14:creationId xmlns:p14="http://schemas.microsoft.com/office/powerpoint/2010/main" val="865773531"/>
       </p:ext>
     </p:extLst>
   </p:cSld>

--- a/fig1.pptx
+++ b/fig1.pptx
@@ -259,7 +259,7 @@
           <a:p>
             <a:fld id="{C6C270CB-5CAE-4249-A309-DF89160C5496}" type="datetimeFigureOut">
               <a:rPr lang="en-US" smtClean="0"/>
-              <a:t>8/16/2021</a:t>
+              <a:t>9/3/2021</a:t>
             </a:fld>
             <a:endParaRPr lang="en-US"/>
           </a:p>
@@ -457,7 +457,7 @@
           <a:p>
             <a:fld id="{C6C270CB-5CAE-4249-A309-DF89160C5496}" type="datetimeFigureOut">
               <a:rPr lang="en-US" smtClean="0"/>
-              <a:t>8/16/2021</a:t>
+              <a:t>9/3/2021</a:t>
             </a:fld>
             <a:endParaRPr lang="en-US"/>
           </a:p>
@@ -665,7 +665,7 @@
           <a:p>
             <a:fld id="{C6C270CB-5CAE-4249-A309-DF89160C5496}" type="datetimeFigureOut">
               <a:rPr lang="en-US" smtClean="0"/>
-              <a:t>8/16/2021</a:t>
+              <a:t>9/3/2021</a:t>
             </a:fld>
             <a:endParaRPr lang="en-US"/>
           </a:p>
@@ -863,7 +863,7 @@
           <a:p>
             <a:fld id="{C6C270CB-5CAE-4249-A309-DF89160C5496}" type="datetimeFigureOut">
               <a:rPr lang="en-US" smtClean="0"/>
-              <a:t>8/16/2021</a:t>
+              <a:t>9/3/2021</a:t>
             </a:fld>
             <a:endParaRPr lang="en-US"/>
           </a:p>
@@ -1138,7 +1138,7 @@
           <a:p>
             <a:fld id="{C6C270CB-5CAE-4249-A309-DF89160C5496}" type="datetimeFigureOut">
               <a:rPr lang="en-US" smtClean="0"/>
-              <a:t>8/16/2021</a:t>
+              <a:t>9/3/2021</a:t>
             </a:fld>
             <a:endParaRPr lang="en-US"/>
           </a:p>
@@ -1403,7 +1403,7 @@
           <a:p>
             <a:fld id="{C6C270CB-5CAE-4249-A309-DF89160C5496}" type="datetimeFigureOut">
               <a:rPr lang="en-US" smtClean="0"/>
-              <a:t>8/16/2021</a:t>
+              <a:t>9/3/2021</a:t>
             </a:fld>
             <a:endParaRPr lang="en-US"/>
           </a:p>
@@ -1815,7 +1815,7 @@
           <a:p>
             <a:fld id="{C6C270CB-5CAE-4249-A309-DF89160C5496}" type="datetimeFigureOut">
               <a:rPr lang="en-US" smtClean="0"/>
-              <a:t>8/16/2021</a:t>
+              <a:t>9/3/2021</a:t>
             </a:fld>
             <a:endParaRPr lang="en-US"/>
           </a:p>
@@ -1956,7 +1956,7 @@
           <a:p>
             <a:fld id="{C6C270CB-5CAE-4249-A309-DF89160C5496}" type="datetimeFigureOut">
               <a:rPr lang="en-US" smtClean="0"/>
-              <a:t>8/16/2021</a:t>
+              <a:t>9/3/2021</a:t>
             </a:fld>
             <a:endParaRPr lang="en-US"/>
           </a:p>
@@ -2069,7 +2069,7 @@
           <a:p>
             <a:fld id="{C6C270CB-5CAE-4249-A309-DF89160C5496}" type="datetimeFigureOut">
               <a:rPr lang="en-US" smtClean="0"/>
-              <a:t>8/16/2021</a:t>
+              <a:t>9/3/2021</a:t>
             </a:fld>
             <a:endParaRPr lang="en-US"/>
           </a:p>
@@ -2380,7 +2380,7 @@
           <a:p>
             <a:fld id="{C6C270CB-5CAE-4249-A309-DF89160C5496}" type="datetimeFigureOut">
               <a:rPr lang="en-US" smtClean="0"/>
-              <a:t>8/16/2021</a:t>
+              <a:t>9/3/2021</a:t>
             </a:fld>
             <a:endParaRPr lang="en-US"/>
           </a:p>
@@ -2668,7 +2668,7 @@
           <a:p>
             <a:fld id="{C6C270CB-5CAE-4249-A309-DF89160C5496}" type="datetimeFigureOut">
               <a:rPr lang="en-US" smtClean="0"/>
-              <a:t>8/16/2021</a:t>
+              <a:t>9/3/2021</a:t>
             </a:fld>
             <a:endParaRPr lang="en-US"/>
           </a:p>
@@ -2909,7 +2909,7 @@
           <a:p>
             <a:fld id="{C6C270CB-5CAE-4249-A309-DF89160C5496}" type="datetimeFigureOut">
               <a:rPr lang="en-US" smtClean="0"/>
-              <a:t>8/16/2021</a:t>
+              <a:t>9/3/2021</a:t>
             </a:fld>
             <a:endParaRPr lang="en-US"/>
           </a:p>
@@ -3413,8 +3413,8 @@
         </p:nvSpPr>
         <p:spPr>
           <a:xfrm>
-            <a:off x="6293197" y="2374496"/>
-            <a:ext cx="1502290" cy="396846"/>
+            <a:off x="6293197" y="2095184"/>
+            <a:ext cx="1502290" cy="676158"/>
           </a:xfrm>
           <a:prstGeom prst="rect">
             <a:avLst/>
@@ -4061,6 +4061,7 @@
                 <a:lumOff val="50000"/>
               </a:schemeClr>
             </a:solidFill>
+            <a:prstDash val="sysDot"/>
             <a:tailEnd type="triangle"/>
           </a:ln>
         </p:spPr>
@@ -4112,6 +4113,7 @@
                 <a:lumOff val="50000"/>
               </a:schemeClr>
             </a:solidFill>
+            <a:prstDash val="sysDot"/>
             <a:tailEnd type="triangle"/>
           </a:ln>
         </p:spPr>
@@ -4161,6 +4163,7 @@
                 <a:lumOff val="50000"/>
               </a:schemeClr>
             </a:solidFill>
+            <a:prstDash val="sysDot"/>
             <a:tailEnd type="triangle"/>
           </a:ln>
         </p:spPr>
@@ -4210,6 +4213,7 @@
                 <a:lumOff val="50000"/>
               </a:schemeClr>
             </a:solidFill>
+            <a:prstDash val="sysDot"/>
             <a:tailEnd type="triangle"/>
           </a:ln>
         </p:spPr>
@@ -4259,6 +4263,7 @@
                 <a:lumOff val="50000"/>
               </a:schemeClr>
             </a:solidFill>
+            <a:prstDash val="sysDot"/>
             <a:tailEnd type="triangle"/>
           </a:ln>
         </p:spPr>
@@ -4484,8 +4489,8 @@
         </p:nvCxnSpPr>
         <p:spPr>
           <a:xfrm>
-            <a:off x="7795487" y="2572919"/>
-            <a:ext cx="587095" cy="1196649"/>
+            <a:off x="7795487" y="2433263"/>
+            <a:ext cx="587095" cy="1336305"/>
           </a:xfrm>
           <a:prstGeom prst="bentConnector3">
             <a:avLst>
@@ -4547,6 +4552,7 @@
                 <a:lumOff val="50000"/>
               </a:schemeClr>
             </a:solidFill>
+            <a:prstDash val="sysDot"/>
             <a:tailEnd type="triangle"/>
           </a:ln>
         </p:spPr>
@@ -4768,7 +4774,7 @@
             <a:p>
               <a:r>
                 <a:rPr lang="en-US" sz="1400" dirty="0"/>
-                <a:t>Agent Component</a:t>
+                <a:t>Environment Component</a:t>
               </a:r>
             </a:p>
           </p:txBody>
@@ -4803,7 +4809,7 @@
             <a:p>
               <a:r>
                 <a:rPr lang="en-US" sz="1400" dirty="0"/>
-                <a:t>Environment Component</a:t>
+                <a:t>Agent Component</a:t>
               </a:r>
             </a:p>
           </p:txBody>
@@ -4918,6 +4924,7 @@
                   <a:lumOff val="50000"/>
                 </a:schemeClr>
               </a:solidFill>
+              <a:prstDash val="sysDot"/>
               <a:tailEnd type="triangle"/>
             </a:ln>
           </p:spPr>
